--- a/docs/general diagram.pptx
+++ b/docs/general diagram.pptx
@@ -2966,54 +2966,6 @@
       </p:grpSpPr>
       <p:pic>
         <p:nvPicPr>
-          <p:cNvPr id="20" name="Image 19"/>
-          <p:cNvPicPr>
-            <a:picLocks noChangeAspect="1"/>
-          </p:cNvPicPr>
-          <p:nvPr/>
-        </p:nvPicPr>
-        <p:blipFill>
-          <a:blip r:embed="rId2"/>
-          <a:stretch>
-            <a:fillRect/>
-          </a:stretch>
-        </p:blipFill>
-        <p:spPr>
-          <a:xfrm>
-            <a:off x="5549956" y="3989525"/>
-            <a:ext cx="1628779" cy="741721"/>
-          </a:xfrm>
-          <a:prstGeom prst="rect">
-            <a:avLst/>
-          </a:prstGeom>
-        </p:spPr>
-      </p:pic>
-      <p:pic>
-        <p:nvPicPr>
-          <p:cNvPr id="19" name="Image 18"/>
-          <p:cNvPicPr>
-            <a:picLocks noChangeAspect="1"/>
-          </p:cNvPicPr>
-          <p:nvPr/>
-        </p:nvPicPr>
-        <p:blipFill>
-          <a:blip r:embed="rId3"/>
-          <a:stretch>
-            <a:fillRect/>
-          </a:stretch>
-        </p:blipFill>
-        <p:spPr>
-          <a:xfrm>
-            <a:off x="9031097" y="1354231"/>
-            <a:ext cx="635959" cy="623448"/>
-          </a:xfrm>
-          <a:prstGeom prst="rect">
-            <a:avLst/>
-          </a:prstGeom>
-        </p:spPr>
-      </p:pic>
-      <p:pic>
-        <p:nvPicPr>
           <p:cNvPr id="1026" name="Picture 2" descr="C++ REST SDK (codename &quot;Casablanca&quot;)"/>
           <p:cNvPicPr>
             <a:picLocks noChangeAspect="1" noChangeArrowheads="1"/>
@@ -3021,7 +2973,7 @@
           <p:nvPr/>
         </p:nvPicPr>
         <p:blipFill>
-          <a:blip r:embed="rId4">
+          <a:blip r:embed="rId2">
             <a:extLst>
               <a:ext uri="{28A0092B-C50C-407E-A947-70E740481C1C}">
                 <a14:useLocalDpi xmlns:a14="http://schemas.microsoft.com/office/drawing/2010/main" val="0"/>
@@ -3035,8 +2987,8 @@
         </p:blipFill>
         <p:spPr bwMode="auto">
           <a:xfrm>
-            <a:off x="5465269" y="1285407"/>
-            <a:ext cx="762000" cy="581026"/>
+            <a:off x="3632912" y="1081918"/>
+            <a:ext cx="1106237" cy="843507"/>
           </a:xfrm>
           <a:prstGeom prst="rect">
             <a:avLst/>
@@ -3061,8 +3013,8 @@
         </p:nvSpPr>
         <p:spPr>
           <a:xfrm>
-            <a:off x="5502337" y="1760242"/>
-            <a:ext cx="1676398" cy="914400"/>
+            <a:off x="3795252" y="1760242"/>
+            <a:ext cx="3383483" cy="1845538"/>
           </a:xfrm>
           <a:prstGeom prst="rect">
             <a:avLst/>
@@ -3094,100 +3046,18 @@
           </a:p>
         </p:txBody>
       </p:sp>
-      <p:pic>
-        <p:nvPicPr>
-          <p:cNvPr id="1028" name="Picture 4" descr="http://upload.wikimedia.org/wikipedia/commons/thumb/d/d7/Android_robot.svg/872px-Android_robot.svg.png"/>
-          <p:cNvPicPr>
-            <a:picLocks noChangeAspect="1" noChangeArrowheads="1"/>
-          </p:cNvPicPr>
-          <p:nvPr/>
-        </p:nvPicPr>
-        <p:blipFill>
-          <a:blip r:embed="rId5" cstate="print">
-            <a:extLst>
-              <a:ext uri="{28A0092B-C50C-407E-A947-70E740481C1C}">
-                <a14:useLocalDpi xmlns:a14="http://schemas.microsoft.com/office/drawing/2010/main" val="0"/>
-              </a:ext>
-            </a:extLst>
-          </a:blip>
-          <a:srcRect/>
-          <a:stretch>
-            <a:fillRect/>
-          </a:stretch>
-        </p:blipFill>
-        <p:spPr bwMode="auto">
-          <a:xfrm>
-            <a:off x="1800224" y="1480624"/>
-            <a:ext cx="487605" cy="572530"/>
-          </a:xfrm>
-          <a:prstGeom prst="rect">
-            <a:avLst/>
-          </a:prstGeom>
-          <a:noFill/>
-          <a:extLst>
-            <a:ext uri="{909E8E84-426E-40DD-AFC4-6F175D3DCCD1}">
-              <a14:hiddenFill xmlns:a14="http://schemas.microsoft.com/office/drawing/2010/main">
-                <a:solidFill>
-                  <a:srgbClr val="FFFFFF"/>
-                </a:solidFill>
-              </a14:hiddenFill>
-            </a:ext>
-          </a:extLst>
-        </p:spPr>
-      </p:pic>
-      <p:sp>
-        <p:nvSpPr>
-          <p:cNvPr id="6" name="Rectangle 5"/>
+      <p:sp>
+        <p:nvSpPr>
+          <p:cNvPr id="21" name="Double flèche horizontale 20"/>
           <p:cNvSpPr/>
           <p:nvPr/>
         </p:nvSpPr>
         <p:spPr>
           <a:xfrm>
-            <a:off x="1758251" y="1760242"/>
-            <a:ext cx="1676398" cy="914400"/>
+            <a:off x="938873" y="1848732"/>
+            <a:ext cx="2694039" cy="484632"/>
           </a:xfrm>
-          <a:prstGeom prst="rect">
-            <a:avLst/>
-          </a:prstGeom>
-        </p:spPr>
-        <p:style>
-          <a:lnRef idx="1">
-            <a:schemeClr val="accent3"/>
-          </a:lnRef>
-          <a:fillRef idx="2">
-            <a:schemeClr val="accent3"/>
-          </a:fillRef>
-          <a:effectRef idx="1">
-            <a:schemeClr val="accent3"/>
-          </a:effectRef>
-          <a:fontRef idx="minor">
-            <a:schemeClr val="dk1"/>
-          </a:fontRef>
-        </p:style>
-        <p:txBody>
-          <a:bodyPr rtlCol="0" anchor="ctr"/>
-          <a:lstStyle/>
-          <a:p>
-            <a:pPr algn="ctr"/>
-            <a:r>
-              <a:rPr lang="fr-FR" dirty="0" smtClean="0"/>
-              <a:t>Mobile Client</a:t>
-            </a:r>
-          </a:p>
-        </p:txBody>
-      </p:sp>
-      <p:sp>
-        <p:nvSpPr>
-          <p:cNvPr id="5" name="Flèche droite 4"/>
-          <p:cNvSpPr/>
-          <p:nvPr/>
-        </p:nvSpPr>
-        <p:spPr>
-          <a:xfrm>
-            <a:off x="3574687" y="1767576"/>
-            <a:ext cx="1861752" cy="259343"/>
-          </a:xfrm>
-          <a:prstGeom prst="rightArrow">
+          <a:prstGeom prst="leftRightArrow">
             <a:avLst/>
           </a:prstGeom>
         </p:spPr>
@@ -3213,45 +3083,49 @@
           <a:p>
             <a:pPr algn="ctr"/>
             <a:r>
-              <a:rPr lang="fr-FR" sz="1050" dirty="0" err="1" smtClean="0"/>
-              <a:t>Connect</a:t>
-            </a:r>
-            <a:r>
-              <a:rPr lang="fr-FR" sz="1050" dirty="0" smtClean="0"/>
-              <a:t> </a:t>
-            </a:r>
-            <a:r>
-              <a:rPr lang="fr-FR" sz="1050" dirty="0" err="1" smtClean="0"/>
-              <a:t>with</a:t>
-            </a:r>
-            <a:r>
-              <a:rPr lang="fr-FR" sz="1050" dirty="0" smtClean="0"/>
-              <a:t> </a:t>
-            </a:r>
-            <a:r>
-              <a:rPr lang="fr-FR" sz="1050" dirty="0" err="1" smtClean="0"/>
-              <a:t>init</a:t>
-            </a:r>
-            <a:r>
-              <a:rPr lang="fr-FR" sz="1050" dirty="0" smtClean="0"/>
-              <a:t> position</a:t>
-            </a:r>
-            <a:endParaRPr lang="en-GB" sz="1050" dirty="0"/>
-          </a:p>
-        </p:txBody>
-      </p:sp>
-      <p:sp>
-        <p:nvSpPr>
-          <p:cNvPr id="9" name="Flèche droite 8"/>
+              <a:rPr lang="fr-FR" dirty="0" smtClean="0"/>
+              <a:t>Client</a:t>
+            </a:r>
+            <a:endParaRPr lang="en-GB" dirty="0"/>
+          </a:p>
+        </p:txBody>
+      </p:sp>
+      <p:pic>
+        <p:nvPicPr>
+          <p:cNvPr id="27" name="Image 26"/>
+          <p:cNvPicPr>
+            <a:picLocks noChangeAspect="1"/>
+          </p:cNvPicPr>
+          <p:nvPr/>
+        </p:nvPicPr>
+        <p:blipFill>
+          <a:blip r:embed="rId3"/>
+          <a:stretch>
+            <a:fillRect/>
+          </a:stretch>
+        </p:blipFill>
+        <p:spPr>
+          <a:xfrm>
+            <a:off x="725459" y="2333364"/>
+            <a:ext cx="2988623" cy="4153420"/>
+          </a:xfrm>
+          <a:prstGeom prst="rect">
+            <a:avLst/>
+          </a:prstGeom>
+        </p:spPr>
+      </p:pic>
+      <p:sp>
+        <p:nvSpPr>
+          <p:cNvPr id="33" name="Double flèche horizontale 32"/>
           <p:cNvSpPr/>
           <p:nvPr/>
         </p:nvSpPr>
         <p:spPr>
-          <a:xfrm flipH="1">
-            <a:off x="3493268" y="1986972"/>
-            <a:ext cx="1831868" cy="255180"/>
+          <a:xfrm>
+            <a:off x="7259905" y="2920450"/>
+            <a:ext cx="2694039" cy="484632"/>
           </a:xfrm>
-          <a:prstGeom prst="rightArrow">
+          <a:prstGeom prst="leftRightArrow">
             <a:avLst/>
           </a:prstGeom>
         </p:spPr>
@@ -3277,441 +3151,2080 @@
           <a:p>
             <a:pPr algn="ctr"/>
             <a:r>
-              <a:rPr lang="fr-FR" sz="1050" dirty="0" err="1" smtClean="0"/>
-              <a:t>Give</a:t>
-            </a:r>
-            <a:r>
-              <a:rPr lang="fr-FR" sz="1050" dirty="0" smtClean="0"/>
-              <a:t> a </a:t>
-            </a:r>
-            <a:r>
-              <a:rPr lang="fr-FR" sz="1050" dirty="0" err="1" smtClean="0"/>
-              <a:t>token</a:t>
-            </a:r>
-            <a:endParaRPr lang="en-GB" sz="1050" dirty="0"/>
-          </a:p>
-        </p:txBody>
-      </p:sp>
-      <p:sp>
-        <p:nvSpPr>
-          <p:cNvPr id="10" name="Flèche droite 9"/>
+              <a:rPr lang="fr-FR" dirty="0" smtClean="0"/>
+              <a:t>DB server</a:t>
+            </a:r>
+            <a:endParaRPr lang="en-GB" dirty="0"/>
+          </a:p>
+        </p:txBody>
+      </p:sp>
+      <p:graphicFrame>
+        <p:nvGraphicFramePr>
+          <p:cNvPr id="28" name="Tableau 27"/>
+          <p:cNvGraphicFramePr>
+            <a:graphicFrameLocks noGrp="1"/>
+          </p:cNvGraphicFramePr>
+          <p:nvPr>
+            <p:extLst>
+              <p:ext uri="{D42A27DB-BD31-4B8C-83A1-F6EECF244321}">
+                <p14:modId xmlns:p14="http://schemas.microsoft.com/office/powerpoint/2010/main" val="157323192"/>
+              </p:ext>
+            </p:extLst>
+          </p:nvPr>
+        </p:nvGraphicFramePr>
+        <p:xfrm>
+          <a:off x="7348395" y="3969569"/>
+          <a:ext cx="4762434" cy="1722120"/>
+        </p:xfrm>
+        <a:graphic>
+          <a:graphicData uri="http://schemas.openxmlformats.org/drawingml/2006/table">
+            <a:tbl>
+              <a:tblPr/>
+              <a:tblGrid>
+                <a:gridCol w="1144816"/>
+                <a:gridCol w="992406"/>
+                <a:gridCol w="1061884"/>
+                <a:gridCol w="1563328"/>
+              </a:tblGrid>
+              <a:tr h="0">
+                <a:tc>
+                  <a:txBody>
+                    <a:bodyPr/>
+                    <a:lstStyle/>
+                    <a:p>
+                      <a:pPr rtl="0" fontAlgn="b"/>
+                      <a:r>
+                        <a:rPr lang="en-GB" sz="1400" dirty="0">
+                          <a:effectLst/>
+                        </a:rPr>
+                        <a:t>Object</a:t>
+                      </a:r>
+                    </a:p>
+                  </a:txBody>
+                  <a:tcPr marL="28575" marR="28575" marT="19050" marB="19050" anchor="b">
+                    <a:lnL w="9525" cap="flat" cmpd="sng" algn="ctr">
+                      <a:solidFill>
+                        <a:srgbClr val="CCCCCC"/>
+                      </a:solidFill>
+                      <a:prstDash val="solid"/>
+                      <a:round/>
+                      <a:headEnd type="none" w="med" len="med"/>
+                      <a:tailEnd type="none" w="med" len="med"/>
+                    </a:lnL>
+                    <a:lnR w="9525" cap="flat" cmpd="sng" algn="ctr">
+                      <a:solidFill>
+                        <a:srgbClr val="CCCCCC"/>
+                      </a:solidFill>
+                      <a:prstDash val="solid"/>
+                      <a:round/>
+                      <a:headEnd type="none" w="med" len="med"/>
+                      <a:tailEnd type="none" w="med" len="med"/>
+                    </a:lnR>
+                    <a:lnT w="9525" cap="flat" cmpd="sng" algn="ctr">
+                      <a:solidFill>
+                        <a:srgbClr val="CCCCCC"/>
+                      </a:solidFill>
+                      <a:prstDash val="solid"/>
+                      <a:round/>
+                      <a:headEnd type="none" w="med" len="med"/>
+                      <a:tailEnd type="none" w="med" len="med"/>
+                    </a:lnT>
+                    <a:lnB w="9525" cap="flat" cmpd="sng" algn="ctr">
+                      <a:solidFill>
+                        <a:srgbClr val="CCCCCC"/>
+                      </a:solidFill>
+                      <a:prstDash val="solid"/>
+                      <a:round/>
+                      <a:headEnd type="none" w="med" len="med"/>
+                      <a:tailEnd type="none" w="med" len="med"/>
+                    </a:lnB>
+                    <a:solidFill>
+                      <a:srgbClr val="CCCCCC"/>
+                    </a:solidFill>
+                  </a:tcPr>
+                </a:tc>
+                <a:tc>
+                  <a:txBody>
+                    <a:bodyPr/>
+                    <a:lstStyle/>
+                    <a:p>
+                      <a:pPr rtl="0" fontAlgn="b"/>
+                      <a:r>
+                        <a:rPr lang="en-GB" sz="1400">
+                          <a:effectLst/>
+                        </a:rPr>
+                        <a:t>Attributes</a:t>
+                      </a:r>
+                    </a:p>
+                  </a:txBody>
+                  <a:tcPr marL="28575" marR="28575" marT="19050" marB="19050" anchor="b">
+                    <a:lnL w="9525" cap="flat" cmpd="sng" algn="ctr">
+                      <a:solidFill>
+                        <a:srgbClr val="CCCCCC"/>
+                      </a:solidFill>
+                      <a:prstDash val="solid"/>
+                      <a:round/>
+                      <a:headEnd type="none" w="med" len="med"/>
+                      <a:tailEnd type="none" w="med" len="med"/>
+                    </a:lnL>
+                    <a:lnR w="9525" cap="flat" cmpd="sng" algn="ctr">
+                      <a:solidFill>
+                        <a:srgbClr val="CCCCCC"/>
+                      </a:solidFill>
+                      <a:prstDash val="solid"/>
+                      <a:round/>
+                      <a:headEnd type="none" w="med" len="med"/>
+                      <a:tailEnd type="none" w="med" len="med"/>
+                    </a:lnR>
+                    <a:lnT w="9525" cap="flat" cmpd="sng" algn="ctr">
+                      <a:solidFill>
+                        <a:srgbClr val="CCCCCC"/>
+                      </a:solidFill>
+                      <a:prstDash val="solid"/>
+                      <a:round/>
+                      <a:headEnd type="none" w="med" len="med"/>
+                      <a:tailEnd type="none" w="med" len="med"/>
+                    </a:lnT>
+                    <a:lnB w="9525" cap="flat" cmpd="sng" algn="ctr">
+                      <a:solidFill>
+                        <a:srgbClr val="CCCCCC"/>
+                      </a:solidFill>
+                      <a:prstDash val="solid"/>
+                      <a:round/>
+                      <a:headEnd type="none" w="med" len="med"/>
+                      <a:tailEnd type="none" w="med" len="med"/>
+                    </a:lnB>
+                    <a:solidFill>
+                      <a:srgbClr val="CCCCCC"/>
+                    </a:solidFill>
+                  </a:tcPr>
+                </a:tc>
+                <a:tc>
+                  <a:txBody>
+                    <a:bodyPr/>
+                    <a:lstStyle/>
+                    <a:p>
+                      <a:pPr rtl="0" fontAlgn="b"/>
+                      <a:r>
+                        <a:rPr lang="en-GB" sz="1400" dirty="0">
+                          <a:effectLst/>
+                        </a:rPr>
+                        <a:t>Type</a:t>
+                      </a:r>
+                    </a:p>
+                  </a:txBody>
+                  <a:tcPr marL="28575" marR="28575" marT="19050" marB="19050" anchor="b">
+                    <a:lnL w="9525" cap="flat" cmpd="sng" algn="ctr">
+                      <a:solidFill>
+                        <a:srgbClr val="CCCCCC"/>
+                      </a:solidFill>
+                      <a:prstDash val="solid"/>
+                      <a:round/>
+                      <a:headEnd type="none" w="med" len="med"/>
+                      <a:tailEnd type="none" w="med" len="med"/>
+                    </a:lnL>
+                    <a:lnR w="9525" cap="flat" cmpd="sng" algn="ctr">
+                      <a:solidFill>
+                        <a:srgbClr val="CCCCCC"/>
+                      </a:solidFill>
+                      <a:prstDash val="solid"/>
+                      <a:round/>
+                      <a:headEnd type="none" w="med" len="med"/>
+                      <a:tailEnd type="none" w="med" len="med"/>
+                    </a:lnR>
+                    <a:lnT w="9525" cap="flat" cmpd="sng" algn="ctr">
+                      <a:solidFill>
+                        <a:srgbClr val="CCCCCC"/>
+                      </a:solidFill>
+                      <a:prstDash val="solid"/>
+                      <a:round/>
+                      <a:headEnd type="none" w="med" len="med"/>
+                      <a:tailEnd type="none" w="med" len="med"/>
+                    </a:lnT>
+                    <a:lnB w="9525" cap="flat" cmpd="sng" algn="ctr">
+                      <a:solidFill>
+                        <a:srgbClr val="CCCCCC"/>
+                      </a:solidFill>
+                      <a:prstDash val="solid"/>
+                      <a:round/>
+                      <a:headEnd type="none" w="med" len="med"/>
+                      <a:tailEnd type="none" w="med" len="med"/>
+                    </a:lnB>
+                    <a:solidFill>
+                      <a:srgbClr val="CCCCCC"/>
+                    </a:solidFill>
+                  </a:tcPr>
+                </a:tc>
+                <a:tc>
+                  <a:txBody>
+                    <a:bodyPr/>
+                    <a:lstStyle/>
+                    <a:p>
+                      <a:pPr rtl="0" fontAlgn="b"/>
+                      <a:r>
+                        <a:rPr lang="en-GB" sz="1400" dirty="0">
+                          <a:effectLst/>
+                        </a:rPr>
+                        <a:t>Unit</a:t>
+                      </a:r>
+                    </a:p>
+                  </a:txBody>
+                  <a:tcPr marL="28575" marR="28575" marT="19050" marB="19050" anchor="b">
+                    <a:lnL w="9525" cap="flat" cmpd="sng" algn="ctr">
+                      <a:solidFill>
+                        <a:srgbClr val="CCCCCC"/>
+                      </a:solidFill>
+                      <a:prstDash val="solid"/>
+                      <a:round/>
+                      <a:headEnd type="none" w="med" len="med"/>
+                      <a:tailEnd type="none" w="med" len="med"/>
+                    </a:lnL>
+                    <a:lnR w="9525" cap="flat" cmpd="sng" algn="ctr">
+                      <a:solidFill>
+                        <a:srgbClr val="CCCCCC"/>
+                      </a:solidFill>
+                      <a:prstDash val="solid"/>
+                      <a:round/>
+                      <a:headEnd type="none" w="med" len="med"/>
+                      <a:tailEnd type="none" w="med" len="med"/>
+                    </a:lnR>
+                    <a:lnT w="9525" cap="flat" cmpd="sng" algn="ctr">
+                      <a:solidFill>
+                        <a:srgbClr val="CCCCCC"/>
+                      </a:solidFill>
+                      <a:prstDash val="solid"/>
+                      <a:round/>
+                      <a:headEnd type="none" w="med" len="med"/>
+                      <a:tailEnd type="none" w="med" len="med"/>
+                    </a:lnT>
+                    <a:lnB w="9525" cap="flat" cmpd="sng" algn="ctr">
+                      <a:solidFill>
+                        <a:srgbClr val="CCCCCC"/>
+                      </a:solidFill>
+                      <a:prstDash val="solid"/>
+                      <a:round/>
+                      <a:headEnd type="none" w="med" len="med"/>
+                      <a:tailEnd type="none" w="med" len="med"/>
+                    </a:lnB>
+                    <a:solidFill>
+                      <a:srgbClr val="CCCCCC"/>
+                    </a:solidFill>
+                  </a:tcPr>
+                </a:tc>
+              </a:tr>
+              <a:tr h="200025">
+                <a:tc>
+                  <a:txBody>
+                    <a:bodyPr/>
+                    <a:lstStyle/>
+                    <a:p>
+                      <a:pPr rtl="0" fontAlgn="b"/>
+                      <a:r>
+                        <a:rPr lang="en-GB" sz="1400" dirty="0">
+                          <a:effectLst/>
+                        </a:rPr>
+                        <a:t>"POI_name1"</a:t>
+                      </a:r>
+                    </a:p>
+                  </a:txBody>
+                  <a:tcPr marL="28575" marR="28575" marT="19050" marB="19050" anchor="b">
+                    <a:lnL w="9525" cap="flat" cmpd="sng" algn="ctr">
+                      <a:solidFill>
+                        <a:srgbClr val="CCCCCC"/>
+                      </a:solidFill>
+                      <a:prstDash val="solid"/>
+                      <a:round/>
+                      <a:headEnd type="none" w="med" len="med"/>
+                      <a:tailEnd type="none" w="med" len="med"/>
+                    </a:lnL>
+                    <a:lnR w="9525" cap="flat" cmpd="sng" algn="ctr">
+                      <a:solidFill>
+                        <a:srgbClr val="CCCCCC"/>
+                      </a:solidFill>
+                      <a:prstDash val="solid"/>
+                      <a:round/>
+                      <a:headEnd type="none" w="med" len="med"/>
+                      <a:tailEnd type="none" w="med" len="med"/>
+                    </a:lnR>
+                    <a:lnT w="9525" cap="flat" cmpd="sng" algn="ctr">
+                      <a:solidFill>
+                        <a:srgbClr val="CCCCCC"/>
+                      </a:solidFill>
+                      <a:prstDash val="solid"/>
+                      <a:round/>
+                      <a:headEnd type="none" w="med" len="med"/>
+                      <a:tailEnd type="none" w="med" len="med"/>
+                    </a:lnT>
+                    <a:lnB w="9525" cap="flat" cmpd="sng" algn="ctr">
+                      <a:solidFill>
+                        <a:srgbClr val="CCCCCC"/>
+                      </a:solidFill>
+                      <a:prstDash val="solid"/>
+                      <a:round/>
+                      <a:headEnd type="none" w="med" len="med"/>
+                      <a:tailEnd type="none" w="med" len="med"/>
+                    </a:lnB>
+                    <a:solidFill>
+                      <a:srgbClr val="A2C4C9"/>
+                    </a:solidFill>
+                  </a:tcPr>
+                </a:tc>
+                <a:tc>
+                  <a:txBody>
+                    <a:bodyPr/>
+                    <a:lstStyle/>
+                    <a:p>
+                      <a:pPr rtl="0" fontAlgn="b"/>
+                      <a:r>
+                        <a:rPr lang="en-GB" sz="1400" dirty="0">
+                          <a:effectLst/>
+                        </a:rPr>
+                        <a:t>coordinates</a:t>
+                      </a:r>
+                    </a:p>
+                  </a:txBody>
+                  <a:tcPr marL="28575" marR="28575" marT="19050" marB="19050" anchor="b">
+                    <a:lnL w="9525" cap="flat" cmpd="sng" algn="ctr">
+                      <a:solidFill>
+                        <a:srgbClr val="CCCCCC"/>
+                      </a:solidFill>
+                      <a:prstDash val="solid"/>
+                      <a:round/>
+                      <a:headEnd type="none" w="med" len="med"/>
+                      <a:tailEnd type="none" w="med" len="med"/>
+                    </a:lnL>
+                    <a:lnR w="9525" cap="flat" cmpd="sng" algn="ctr">
+                      <a:solidFill>
+                        <a:srgbClr val="CCCCCC"/>
+                      </a:solidFill>
+                      <a:prstDash val="solid"/>
+                      <a:round/>
+                      <a:headEnd type="none" w="med" len="med"/>
+                      <a:tailEnd type="none" w="med" len="med"/>
+                    </a:lnR>
+                    <a:lnT w="9525" cap="flat" cmpd="sng" algn="ctr">
+                      <a:solidFill>
+                        <a:srgbClr val="CCCCCC"/>
+                      </a:solidFill>
+                      <a:prstDash val="solid"/>
+                      <a:round/>
+                      <a:headEnd type="none" w="med" len="med"/>
+                      <a:tailEnd type="none" w="med" len="med"/>
+                    </a:lnT>
+                    <a:lnB w="9525" cap="flat" cmpd="sng" algn="ctr">
+                      <a:solidFill>
+                        <a:srgbClr val="CCCCCC"/>
+                      </a:solidFill>
+                      <a:prstDash val="solid"/>
+                      <a:round/>
+                      <a:headEnd type="none" w="med" len="med"/>
+                      <a:tailEnd type="none" w="med" len="med"/>
+                    </a:lnB>
+                    <a:solidFill>
+                      <a:srgbClr val="A2C4C9"/>
+                    </a:solidFill>
+                  </a:tcPr>
+                </a:tc>
+                <a:tc>
+                  <a:txBody>
+                    <a:bodyPr/>
+                    <a:lstStyle/>
+                    <a:p>
+                      <a:pPr rtl="0" fontAlgn="b"/>
+                      <a:r>
+                        <a:rPr lang="en-GB" sz="1400" dirty="0">
+                          <a:effectLst/>
+                        </a:rPr>
+                        <a:t>coordinates object</a:t>
+                      </a:r>
+                    </a:p>
+                  </a:txBody>
+                  <a:tcPr marL="28575" marR="28575" marT="19050" marB="19050" anchor="b">
+                    <a:lnL w="9525" cap="flat" cmpd="sng" algn="ctr">
+                      <a:solidFill>
+                        <a:srgbClr val="CCCCCC"/>
+                      </a:solidFill>
+                      <a:prstDash val="solid"/>
+                      <a:round/>
+                      <a:headEnd type="none" w="med" len="med"/>
+                      <a:tailEnd type="none" w="med" len="med"/>
+                    </a:lnL>
+                    <a:lnR w="9525" cap="flat" cmpd="sng" algn="ctr">
+                      <a:solidFill>
+                        <a:srgbClr val="CCCCCC"/>
+                      </a:solidFill>
+                      <a:prstDash val="solid"/>
+                      <a:round/>
+                      <a:headEnd type="none" w="med" len="med"/>
+                      <a:tailEnd type="none" w="med" len="med"/>
+                    </a:lnR>
+                    <a:lnT w="9525" cap="flat" cmpd="sng" algn="ctr">
+                      <a:solidFill>
+                        <a:srgbClr val="CCCCCC"/>
+                      </a:solidFill>
+                      <a:prstDash val="solid"/>
+                      <a:round/>
+                      <a:headEnd type="none" w="med" len="med"/>
+                      <a:tailEnd type="none" w="med" len="med"/>
+                    </a:lnT>
+                    <a:lnB w="9525" cap="flat" cmpd="sng" algn="ctr">
+                      <a:solidFill>
+                        <a:srgbClr val="CCCCCC"/>
+                      </a:solidFill>
+                      <a:prstDash val="solid"/>
+                      <a:round/>
+                      <a:headEnd type="none" w="med" len="med"/>
+                      <a:tailEnd type="none" w="med" len="med"/>
+                    </a:lnB>
+                    <a:solidFill>
+                      <a:srgbClr val="A2C4C9"/>
+                    </a:solidFill>
+                  </a:tcPr>
+                </a:tc>
+                <a:tc>
+                  <a:txBody>
+                    <a:bodyPr/>
+                    <a:lstStyle/>
+                    <a:p>
+                      <a:pPr rtl="0" fontAlgn="b"/>
+                      <a:r>
+                        <a:rPr lang="en-GB" sz="1400" dirty="0">
+                          <a:effectLst/>
+                        </a:rPr>
+                        <a:t>see coordinates object</a:t>
+                      </a:r>
+                    </a:p>
+                  </a:txBody>
+                  <a:tcPr marL="28575" marR="28575" marT="19050" marB="19050" anchor="b">
+                    <a:lnL w="9525" cap="flat" cmpd="sng" algn="ctr">
+                      <a:solidFill>
+                        <a:srgbClr val="CCCCCC"/>
+                      </a:solidFill>
+                      <a:prstDash val="solid"/>
+                      <a:round/>
+                      <a:headEnd type="none" w="med" len="med"/>
+                      <a:tailEnd type="none" w="med" len="med"/>
+                    </a:lnL>
+                    <a:lnR w="9525" cap="flat" cmpd="sng" algn="ctr">
+                      <a:solidFill>
+                        <a:srgbClr val="CCCCCC"/>
+                      </a:solidFill>
+                      <a:prstDash val="solid"/>
+                      <a:round/>
+                      <a:headEnd type="none" w="med" len="med"/>
+                      <a:tailEnd type="none" w="med" len="med"/>
+                    </a:lnR>
+                    <a:lnT w="9525" cap="flat" cmpd="sng" algn="ctr">
+                      <a:solidFill>
+                        <a:srgbClr val="CCCCCC"/>
+                      </a:solidFill>
+                      <a:prstDash val="solid"/>
+                      <a:round/>
+                      <a:headEnd type="none" w="med" len="med"/>
+                      <a:tailEnd type="none" w="med" len="med"/>
+                    </a:lnT>
+                    <a:lnB w="9525" cap="flat" cmpd="sng" algn="ctr">
+                      <a:solidFill>
+                        <a:srgbClr val="CCCCCC"/>
+                      </a:solidFill>
+                      <a:prstDash val="solid"/>
+                      <a:round/>
+                      <a:headEnd type="none" w="med" len="med"/>
+                      <a:tailEnd type="none" w="med" len="med"/>
+                    </a:lnB>
+                    <a:solidFill>
+                      <a:srgbClr val="A2C4C9"/>
+                    </a:solidFill>
+                  </a:tcPr>
+                </a:tc>
+              </a:tr>
+              <a:tr h="200025">
+                <a:tc>
+                  <a:txBody>
+                    <a:bodyPr/>
+                    <a:lstStyle/>
+                    <a:p>
+                      <a:pPr rtl="0" fontAlgn="b"/>
+                      <a:endParaRPr lang="en-GB" sz="1400">
+                        <a:effectLst/>
+                      </a:endParaRPr>
+                    </a:p>
+                  </a:txBody>
+                  <a:tcPr marL="28575" marR="28575" marT="19050" marB="19050" anchor="b">
+                    <a:lnL w="9525" cap="flat" cmpd="sng" algn="ctr">
+                      <a:solidFill>
+                        <a:srgbClr val="CCCCCC"/>
+                      </a:solidFill>
+                      <a:prstDash val="solid"/>
+                      <a:round/>
+                      <a:headEnd type="none" w="med" len="med"/>
+                      <a:tailEnd type="none" w="med" len="med"/>
+                    </a:lnL>
+                    <a:lnR w="9525" cap="flat" cmpd="sng" algn="ctr">
+                      <a:solidFill>
+                        <a:srgbClr val="CCCCCC"/>
+                      </a:solidFill>
+                      <a:prstDash val="solid"/>
+                      <a:round/>
+                      <a:headEnd type="none" w="med" len="med"/>
+                      <a:tailEnd type="none" w="med" len="med"/>
+                    </a:lnR>
+                    <a:lnT w="9525" cap="flat" cmpd="sng" algn="ctr">
+                      <a:solidFill>
+                        <a:srgbClr val="CCCCCC"/>
+                      </a:solidFill>
+                      <a:prstDash val="solid"/>
+                      <a:round/>
+                      <a:headEnd type="none" w="med" len="med"/>
+                      <a:tailEnd type="none" w="med" len="med"/>
+                    </a:lnT>
+                    <a:lnB w="9525" cap="flat" cmpd="sng" algn="ctr">
+                      <a:solidFill>
+                        <a:srgbClr val="CCCCCC"/>
+                      </a:solidFill>
+                      <a:prstDash val="solid"/>
+                      <a:round/>
+                      <a:headEnd type="none" w="med" len="med"/>
+                      <a:tailEnd type="none" w="med" len="med"/>
+                    </a:lnB>
+                    <a:solidFill>
+                      <a:srgbClr val="A2C4C9"/>
+                    </a:solidFill>
+                  </a:tcPr>
+                </a:tc>
+                <a:tc>
+                  <a:txBody>
+                    <a:bodyPr/>
+                    <a:lstStyle/>
+                    <a:p>
+                      <a:pPr rtl="0" fontAlgn="b"/>
+                      <a:r>
+                        <a:rPr lang="en-GB" sz="1400">
+                          <a:effectLst/>
+                        </a:rPr>
+                        <a:t>description</a:t>
+                      </a:r>
+                    </a:p>
+                  </a:txBody>
+                  <a:tcPr marL="28575" marR="28575" marT="19050" marB="19050" anchor="b">
+                    <a:lnL w="9525" cap="flat" cmpd="sng" algn="ctr">
+                      <a:solidFill>
+                        <a:srgbClr val="CCCCCC"/>
+                      </a:solidFill>
+                      <a:prstDash val="solid"/>
+                      <a:round/>
+                      <a:headEnd type="none" w="med" len="med"/>
+                      <a:tailEnd type="none" w="med" len="med"/>
+                    </a:lnL>
+                    <a:lnR w="9525" cap="flat" cmpd="sng" algn="ctr">
+                      <a:solidFill>
+                        <a:srgbClr val="CCCCCC"/>
+                      </a:solidFill>
+                      <a:prstDash val="solid"/>
+                      <a:round/>
+                      <a:headEnd type="none" w="med" len="med"/>
+                      <a:tailEnd type="none" w="med" len="med"/>
+                    </a:lnR>
+                    <a:lnT w="9525" cap="flat" cmpd="sng" algn="ctr">
+                      <a:solidFill>
+                        <a:srgbClr val="CCCCCC"/>
+                      </a:solidFill>
+                      <a:prstDash val="solid"/>
+                      <a:round/>
+                      <a:headEnd type="none" w="med" len="med"/>
+                      <a:tailEnd type="none" w="med" len="med"/>
+                    </a:lnT>
+                    <a:lnB w="9525" cap="flat" cmpd="sng" algn="ctr">
+                      <a:solidFill>
+                        <a:srgbClr val="CCCCCC"/>
+                      </a:solidFill>
+                      <a:prstDash val="solid"/>
+                      <a:round/>
+                      <a:headEnd type="none" w="med" len="med"/>
+                      <a:tailEnd type="none" w="med" len="med"/>
+                    </a:lnB>
+                    <a:solidFill>
+                      <a:srgbClr val="A2C4C9"/>
+                    </a:solidFill>
+                  </a:tcPr>
+                </a:tc>
+                <a:tc>
+                  <a:txBody>
+                    <a:bodyPr/>
+                    <a:lstStyle/>
+                    <a:p>
+                      <a:pPr rtl="0" fontAlgn="b"/>
+                      <a:r>
+                        <a:rPr lang="en-GB" sz="1400">
+                          <a:effectLst/>
+                        </a:rPr>
+                        <a:t>String</a:t>
+                      </a:r>
+                    </a:p>
+                  </a:txBody>
+                  <a:tcPr marL="28575" marR="28575" marT="19050" marB="19050" anchor="b">
+                    <a:lnL w="9525" cap="flat" cmpd="sng" algn="ctr">
+                      <a:solidFill>
+                        <a:srgbClr val="CCCCCC"/>
+                      </a:solidFill>
+                      <a:prstDash val="solid"/>
+                      <a:round/>
+                      <a:headEnd type="none" w="med" len="med"/>
+                      <a:tailEnd type="none" w="med" len="med"/>
+                    </a:lnL>
+                    <a:lnR w="9525" cap="flat" cmpd="sng" algn="ctr">
+                      <a:solidFill>
+                        <a:srgbClr val="CCCCCC"/>
+                      </a:solidFill>
+                      <a:prstDash val="solid"/>
+                      <a:round/>
+                      <a:headEnd type="none" w="med" len="med"/>
+                      <a:tailEnd type="none" w="med" len="med"/>
+                    </a:lnR>
+                    <a:lnT w="9525" cap="flat" cmpd="sng" algn="ctr">
+                      <a:solidFill>
+                        <a:srgbClr val="CCCCCC"/>
+                      </a:solidFill>
+                      <a:prstDash val="solid"/>
+                      <a:round/>
+                      <a:headEnd type="none" w="med" len="med"/>
+                      <a:tailEnd type="none" w="med" len="med"/>
+                    </a:lnT>
+                    <a:lnB w="9525" cap="flat" cmpd="sng" algn="ctr">
+                      <a:solidFill>
+                        <a:srgbClr val="CCCCCC"/>
+                      </a:solidFill>
+                      <a:prstDash val="solid"/>
+                      <a:round/>
+                      <a:headEnd type="none" w="med" len="med"/>
+                      <a:tailEnd type="none" w="med" len="med"/>
+                    </a:lnB>
+                    <a:solidFill>
+                      <a:srgbClr val="A2C4C9"/>
+                    </a:solidFill>
+                  </a:tcPr>
+                </a:tc>
+                <a:tc>
+                  <a:txBody>
+                    <a:bodyPr/>
+                    <a:lstStyle/>
+                    <a:p>
+                      <a:pPr rtl="0" fontAlgn="b"/>
+                      <a:r>
+                        <a:rPr lang="en-GB" sz="1400">
+                          <a:effectLst/>
+                        </a:rPr>
+                        <a:t>-</a:t>
+                      </a:r>
+                    </a:p>
+                  </a:txBody>
+                  <a:tcPr marL="28575" marR="28575" marT="19050" marB="19050" anchor="b">
+                    <a:lnL w="9525" cap="flat" cmpd="sng" algn="ctr">
+                      <a:solidFill>
+                        <a:srgbClr val="CCCCCC"/>
+                      </a:solidFill>
+                      <a:prstDash val="solid"/>
+                      <a:round/>
+                      <a:headEnd type="none" w="med" len="med"/>
+                      <a:tailEnd type="none" w="med" len="med"/>
+                    </a:lnL>
+                    <a:lnR w="9525" cap="flat" cmpd="sng" algn="ctr">
+                      <a:solidFill>
+                        <a:srgbClr val="CCCCCC"/>
+                      </a:solidFill>
+                      <a:prstDash val="solid"/>
+                      <a:round/>
+                      <a:headEnd type="none" w="med" len="med"/>
+                      <a:tailEnd type="none" w="med" len="med"/>
+                    </a:lnR>
+                    <a:lnT w="9525" cap="flat" cmpd="sng" algn="ctr">
+                      <a:solidFill>
+                        <a:srgbClr val="CCCCCC"/>
+                      </a:solidFill>
+                      <a:prstDash val="solid"/>
+                      <a:round/>
+                      <a:headEnd type="none" w="med" len="med"/>
+                      <a:tailEnd type="none" w="med" len="med"/>
+                    </a:lnT>
+                    <a:lnB w="9525" cap="flat" cmpd="sng" algn="ctr">
+                      <a:solidFill>
+                        <a:srgbClr val="CCCCCC"/>
+                      </a:solidFill>
+                      <a:prstDash val="solid"/>
+                      <a:round/>
+                      <a:headEnd type="none" w="med" len="med"/>
+                      <a:tailEnd type="none" w="med" len="med"/>
+                    </a:lnB>
+                    <a:solidFill>
+                      <a:srgbClr val="A2C4C9"/>
+                    </a:solidFill>
+                  </a:tcPr>
+                </a:tc>
+              </a:tr>
+              <a:tr h="200025">
+                <a:tc>
+                  <a:txBody>
+                    <a:bodyPr/>
+                    <a:lstStyle/>
+                    <a:p>
+                      <a:pPr rtl="0" fontAlgn="b"/>
+                      <a:endParaRPr lang="en-GB" sz="1400">
+                        <a:effectLst/>
+                      </a:endParaRPr>
+                    </a:p>
+                  </a:txBody>
+                  <a:tcPr marL="28575" marR="28575" marT="19050" marB="19050" anchor="b">
+                    <a:lnL w="9525" cap="flat" cmpd="sng" algn="ctr">
+                      <a:solidFill>
+                        <a:srgbClr val="CCCCCC"/>
+                      </a:solidFill>
+                      <a:prstDash val="solid"/>
+                      <a:round/>
+                      <a:headEnd type="none" w="med" len="med"/>
+                      <a:tailEnd type="none" w="med" len="med"/>
+                    </a:lnL>
+                    <a:lnR w="9525" cap="flat" cmpd="sng" algn="ctr">
+                      <a:solidFill>
+                        <a:srgbClr val="CCCCCC"/>
+                      </a:solidFill>
+                      <a:prstDash val="solid"/>
+                      <a:round/>
+                      <a:headEnd type="none" w="med" len="med"/>
+                      <a:tailEnd type="none" w="med" len="med"/>
+                    </a:lnR>
+                    <a:lnT w="9525" cap="flat" cmpd="sng" algn="ctr">
+                      <a:solidFill>
+                        <a:srgbClr val="CCCCCC"/>
+                      </a:solidFill>
+                      <a:prstDash val="solid"/>
+                      <a:round/>
+                      <a:headEnd type="none" w="med" len="med"/>
+                      <a:tailEnd type="none" w="med" len="med"/>
+                    </a:lnT>
+                    <a:lnB w="9525" cap="flat" cmpd="sng" algn="ctr">
+                      <a:solidFill>
+                        <a:srgbClr val="CCCCCC"/>
+                      </a:solidFill>
+                      <a:prstDash val="solid"/>
+                      <a:round/>
+                      <a:headEnd type="none" w="med" len="med"/>
+                      <a:tailEnd type="none" w="med" len="med"/>
+                    </a:lnB>
+                    <a:solidFill>
+                      <a:srgbClr val="A2C4C9"/>
+                    </a:solidFill>
+                  </a:tcPr>
+                </a:tc>
+                <a:tc>
+                  <a:txBody>
+                    <a:bodyPr/>
+                    <a:lstStyle/>
+                    <a:p>
+                      <a:pPr rtl="0" fontAlgn="b"/>
+                      <a:r>
+                        <a:rPr lang="en-GB" sz="1400">
+                          <a:effectLst/>
+                        </a:rPr>
+                        <a:t>picture</a:t>
+                      </a:r>
+                    </a:p>
+                  </a:txBody>
+                  <a:tcPr marL="28575" marR="28575" marT="19050" marB="19050" anchor="b">
+                    <a:lnL w="9525" cap="flat" cmpd="sng" algn="ctr">
+                      <a:solidFill>
+                        <a:srgbClr val="CCCCCC"/>
+                      </a:solidFill>
+                      <a:prstDash val="solid"/>
+                      <a:round/>
+                      <a:headEnd type="none" w="med" len="med"/>
+                      <a:tailEnd type="none" w="med" len="med"/>
+                    </a:lnL>
+                    <a:lnR w="9525" cap="flat" cmpd="sng" algn="ctr">
+                      <a:solidFill>
+                        <a:srgbClr val="CCCCCC"/>
+                      </a:solidFill>
+                      <a:prstDash val="solid"/>
+                      <a:round/>
+                      <a:headEnd type="none" w="med" len="med"/>
+                      <a:tailEnd type="none" w="med" len="med"/>
+                    </a:lnR>
+                    <a:lnT w="9525" cap="flat" cmpd="sng" algn="ctr">
+                      <a:solidFill>
+                        <a:srgbClr val="CCCCCC"/>
+                      </a:solidFill>
+                      <a:prstDash val="solid"/>
+                      <a:round/>
+                      <a:headEnd type="none" w="med" len="med"/>
+                      <a:tailEnd type="none" w="med" len="med"/>
+                    </a:lnT>
+                    <a:lnB w="9525" cap="flat" cmpd="sng" algn="ctr">
+                      <a:solidFill>
+                        <a:srgbClr val="CCCCCC"/>
+                      </a:solidFill>
+                      <a:prstDash val="solid"/>
+                      <a:round/>
+                      <a:headEnd type="none" w="med" len="med"/>
+                      <a:tailEnd type="none" w="med" len="med"/>
+                    </a:lnB>
+                    <a:solidFill>
+                      <a:srgbClr val="A2C4C9"/>
+                    </a:solidFill>
+                  </a:tcPr>
+                </a:tc>
+                <a:tc>
+                  <a:txBody>
+                    <a:bodyPr/>
+                    <a:lstStyle/>
+                    <a:p>
+                      <a:pPr rtl="0" fontAlgn="b"/>
+                      <a:r>
+                        <a:rPr lang="en-GB" sz="1400">
+                          <a:effectLst/>
+                        </a:rPr>
+                        <a:t>String</a:t>
+                      </a:r>
+                    </a:p>
+                  </a:txBody>
+                  <a:tcPr marL="28575" marR="28575" marT="19050" marB="19050" anchor="b">
+                    <a:lnL w="9525" cap="flat" cmpd="sng" algn="ctr">
+                      <a:solidFill>
+                        <a:srgbClr val="CCCCCC"/>
+                      </a:solidFill>
+                      <a:prstDash val="solid"/>
+                      <a:round/>
+                      <a:headEnd type="none" w="med" len="med"/>
+                      <a:tailEnd type="none" w="med" len="med"/>
+                    </a:lnL>
+                    <a:lnR w="9525" cap="flat" cmpd="sng" algn="ctr">
+                      <a:solidFill>
+                        <a:srgbClr val="CCCCCC"/>
+                      </a:solidFill>
+                      <a:prstDash val="solid"/>
+                      <a:round/>
+                      <a:headEnd type="none" w="med" len="med"/>
+                      <a:tailEnd type="none" w="med" len="med"/>
+                    </a:lnR>
+                    <a:lnT w="9525" cap="flat" cmpd="sng" algn="ctr">
+                      <a:solidFill>
+                        <a:srgbClr val="CCCCCC"/>
+                      </a:solidFill>
+                      <a:prstDash val="solid"/>
+                      <a:round/>
+                      <a:headEnd type="none" w="med" len="med"/>
+                      <a:tailEnd type="none" w="med" len="med"/>
+                    </a:lnT>
+                    <a:lnB w="9525" cap="flat" cmpd="sng" algn="ctr">
+                      <a:solidFill>
+                        <a:srgbClr val="CCCCCC"/>
+                      </a:solidFill>
+                      <a:prstDash val="solid"/>
+                      <a:round/>
+                      <a:headEnd type="none" w="med" len="med"/>
+                      <a:tailEnd type="none" w="med" len="med"/>
+                    </a:lnB>
+                    <a:solidFill>
+                      <a:srgbClr val="A2C4C9"/>
+                    </a:solidFill>
+                  </a:tcPr>
+                </a:tc>
+                <a:tc>
+                  <a:txBody>
+                    <a:bodyPr/>
+                    <a:lstStyle/>
+                    <a:p>
+                      <a:pPr rtl="0" fontAlgn="b"/>
+                      <a:r>
+                        <a:rPr lang="en-GB" sz="1400">
+                          <a:effectLst/>
+                        </a:rPr>
+                        <a:t>URL</a:t>
+                      </a:r>
+                    </a:p>
+                  </a:txBody>
+                  <a:tcPr marL="28575" marR="28575" marT="19050" marB="19050" anchor="b">
+                    <a:lnL w="9525" cap="flat" cmpd="sng" algn="ctr">
+                      <a:solidFill>
+                        <a:srgbClr val="CCCCCC"/>
+                      </a:solidFill>
+                      <a:prstDash val="solid"/>
+                      <a:round/>
+                      <a:headEnd type="none" w="med" len="med"/>
+                      <a:tailEnd type="none" w="med" len="med"/>
+                    </a:lnL>
+                    <a:lnR w="9525" cap="flat" cmpd="sng" algn="ctr">
+                      <a:solidFill>
+                        <a:srgbClr val="CCCCCC"/>
+                      </a:solidFill>
+                      <a:prstDash val="solid"/>
+                      <a:round/>
+                      <a:headEnd type="none" w="med" len="med"/>
+                      <a:tailEnd type="none" w="med" len="med"/>
+                    </a:lnR>
+                    <a:lnT w="9525" cap="flat" cmpd="sng" algn="ctr">
+                      <a:solidFill>
+                        <a:srgbClr val="CCCCCC"/>
+                      </a:solidFill>
+                      <a:prstDash val="solid"/>
+                      <a:round/>
+                      <a:headEnd type="none" w="med" len="med"/>
+                      <a:tailEnd type="none" w="med" len="med"/>
+                    </a:lnT>
+                    <a:lnB w="9525" cap="flat" cmpd="sng" algn="ctr">
+                      <a:solidFill>
+                        <a:srgbClr val="CCCCCC"/>
+                      </a:solidFill>
+                      <a:prstDash val="solid"/>
+                      <a:round/>
+                      <a:headEnd type="none" w="med" len="med"/>
+                      <a:tailEnd type="none" w="med" len="med"/>
+                    </a:lnB>
+                    <a:solidFill>
+                      <a:srgbClr val="A2C4C9"/>
+                    </a:solidFill>
+                  </a:tcPr>
+                </a:tc>
+              </a:tr>
+              <a:tr h="200025">
+                <a:tc>
+                  <a:txBody>
+                    <a:bodyPr/>
+                    <a:lstStyle/>
+                    <a:p>
+                      <a:pPr rtl="0" fontAlgn="b"/>
+                      <a:endParaRPr lang="en-GB" sz="1400">
+                        <a:effectLst/>
+                      </a:endParaRPr>
+                    </a:p>
+                  </a:txBody>
+                  <a:tcPr marL="28575" marR="28575" marT="19050" marB="19050" anchor="b">
+                    <a:lnL w="9525" cap="flat" cmpd="sng" algn="ctr">
+                      <a:solidFill>
+                        <a:srgbClr val="CCCCCC"/>
+                      </a:solidFill>
+                      <a:prstDash val="solid"/>
+                      <a:round/>
+                      <a:headEnd type="none" w="med" len="med"/>
+                      <a:tailEnd type="none" w="med" len="med"/>
+                    </a:lnL>
+                    <a:lnR w="9525" cap="flat" cmpd="sng" algn="ctr">
+                      <a:solidFill>
+                        <a:srgbClr val="CCCCCC"/>
+                      </a:solidFill>
+                      <a:prstDash val="solid"/>
+                      <a:round/>
+                      <a:headEnd type="none" w="med" len="med"/>
+                      <a:tailEnd type="none" w="med" len="med"/>
+                    </a:lnR>
+                    <a:lnT w="9525" cap="flat" cmpd="sng" algn="ctr">
+                      <a:solidFill>
+                        <a:srgbClr val="CCCCCC"/>
+                      </a:solidFill>
+                      <a:prstDash val="solid"/>
+                      <a:round/>
+                      <a:headEnd type="none" w="med" len="med"/>
+                      <a:tailEnd type="none" w="med" len="med"/>
+                    </a:lnT>
+                    <a:lnB w="9525" cap="flat" cmpd="sng" algn="ctr">
+                      <a:solidFill>
+                        <a:srgbClr val="CCCCCC"/>
+                      </a:solidFill>
+                      <a:prstDash val="solid"/>
+                      <a:round/>
+                      <a:headEnd type="none" w="med" len="med"/>
+                      <a:tailEnd type="none" w="med" len="med"/>
+                    </a:lnB>
+                    <a:solidFill>
+                      <a:srgbClr val="A2C4C9"/>
+                    </a:solidFill>
+                  </a:tcPr>
+                </a:tc>
+                <a:tc>
+                  <a:txBody>
+                    <a:bodyPr/>
+                    <a:lstStyle/>
+                    <a:p>
+                      <a:pPr rtl="0" fontAlgn="b"/>
+                      <a:r>
+                        <a:rPr lang="en-GB" sz="1400">
+                          <a:effectLst/>
+                        </a:rPr>
+                        <a:t>distance</a:t>
+                      </a:r>
+                    </a:p>
+                  </a:txBody>
+                  <a:tcPr marL="28575" marR="28575" marT="19050" marB="19050" anchor="b">
+                    <a:lnL w="9525" cap="flat" cmpd="sng" algn="ctr">
+                      <a:solidFill>
+                        <a:srgbClr val="CCCCCC"/>
+                      </a:solidFill>
+                      <a:prstDash val="solid"/>
+                      <a:round/>
+                      <a:headEnd type="none" w="med" len="med"/>
+                      <a:tailEnd type="none" w="med" len="med"/>
+                    </a:lnL>
+                    <a:lnR w="9525" cap="flat" cmpd="sng" algn="ctr">
+                      <a:solidFill>
+                        <a:srgbClr val="CCCCCC"/>
+                      </a:solidFill>
+                      <a:prstDash val="solid"/>
+                      <a:round/>
+                      <a:headEnd type="none" w="med" len="med"/>
+                      <a:tailEnd type="none" w="med" len="med"/>
+                    </a:lnR>
+                    <a:lnT w="9525" cap="flat" cmpd="sng" algn="ctr">
+                      <a:solidFill>
+                        <a:srgbClr val="CCCCCC"/>
+                      </a:solidFill>
+                      <a:prstDash val="solid"/>
+                      <a:round/>
+                      <a:headEnd type="none" w="med" len="med"/>
+                      <a:tailEnd type="none" w="med" len="med"/>
+                    </a:lnT>
+                    <a:lnB w="9525" cap="flat" cmpd="sng" algn="ctr">
+                      <a:solidFill>
+                        <a:srgbClr val="CCCCCC"/>
+                      </a:solidFill>
+                      <a:prstDash val="solid"/>
+                      <a:round/>
+                      <a:headEnd type="none" w="med" len="med"/>
+                      <a:tailEnd type="none" w="med" len="med"/>
+                    </a:lnB>
+                    <a:solidFill>
+                      <a:srgbClr val="A2C4C9"/>
+                    </a:solidFill>
+                  </a:tcPr>
+                </a:tc>
+                <a:tc>
+                  <a:txBody>
+                    <a:bodyPr/>
+                    <a:lstStyle/>
+                    <a:p>
+                      <a:pPr rtl="0" fontAlgn="b"/>
+                      <a:r>
+                        <a:rPr lang="en-GB" sz="1400">
+                          <a:effectLst/>
+                        </a:rPr>
+                        <a:t>Float</a:t>
+                      </a:r>
+                    </a:p>
+                  </a:txBody>
+                  <a:tcPr marL="28575" marR="28575" marT="19050" marB="19050" anchor="b">
+                    <a:lnL w="9525" cap="flat" cmpd="sng" algn="ctr">
+                      <a:solidFill>
+                        <a:srgbClr val="CCCCCC"/>
+                      </a:solidFill>
+                      <a:prstDash val="solid"/>
+                      <a:round/>
+                      <a:headEnd type="none" w="med" len="med"/>
+                      <a:tailEnd type="none" w="med" len="med"/>
+                    </a:lnL>
+                    <a:lnR w="9525" cap="flat" cmpd="sng" algn="ctr">
+                      <a:solidFill>
+                        <a:srgbClr val="CCCCCC"/>
+                      </a:solidFill>
+                      <a:prstDash val="solid"/>
+                      <a:round/>
+                      <a:headEnd type="none" w="med" len="med"/>
+                      <a:tailEnd type="none" w="med" len="med"/>
+                    </a:lnR>
+                    <a:lnT w="9525" cap="flat" cmpd="sng" algn="ctr">
+                      <a:solidFill>
+                        <a:srgbClr val="CCCCCC"/>
+                      </a:solidFill>
+                      <a:prstDash val="solid"/>
+                      <a:round/>
+                      <a:headEnd type="none" w="med" len="med"/>
+                      <a:tailEnd type="none" w="med" len="med"/>
+                    </a:lnT>
+                    <a:lnB w="9525" cap="flat" cmpd="sng" algn="ctr">
+                      <a:solidFill>
+                        <a:srgbClr val="CCCCCC"/>
+                      </a:solidFill>
+                      <a:prstDash val="solid"/>
+                      <a:round/>
+                      <a:headEnd type="none" w="med" len="med"/>
+                      <a:tailEnd type="none" w="med" len="med"/>
+                    </a:lnB>
+                    <a:solidFill>
+                      <a:srgbClr val="A2C4C9"/>
+                    </a:solidFill>
+                  </a:tcPr>
+                </a:tc>
+                <a:tc>
+                  <a:txBody>
+                    <a:bodyPr/>
+                    <a:lstStyle/>
+                    <a:p>
+                      <a:pPr rtl="0" fontAlgn="b"/>
+                      <a:r>
+                        <a:rPr lang="en-GB" sz="1400">
+                          <a:effectLst/>
+                        </a:rPr>
+                        <a:t>m</a:t>
+                      </a:r>
+                    </a:p>
+                  </a:txBody>
+                  <a:tcPr marL="28575" marR="28575" marT="19050" marB="19050" anchor="b">
+                    <a:lnL w="9525" cap="flat" cmpd="sng" algn="ctr">
+                      <a:solidFill>
+                        <a:srgbClr val="CCCCCC"/>
+                      </a:solidFill>
+                      <a:prstDash val="solid"/>
+                      <a:round/>
+                      <a:headEnd type="none" w="med" len="med"/>
+                      <a:tailEnd type="none" w="med" len="med"/>
+                    </a:lnL>
+                    <a:lnR w="9525" cap="flat" cmpd="sng" algn="ctr">
+                      <a:solidFill>
+                        <a:srgbClr val="CCCCCC"/>
+                      </a:solidFill>
+                      <a:prstDash val="solid"/>
+                      <a:round/>
+                      <a:headEnd type="none" w="med" len="med"/>
+                      <a:tailEnd type="none" w="med" len="med"/>
+                    </a:lnR>
+                    <a:lnT w="9525" cap="flat" cmpd="sng" algn="ctr">
+                      <a:solidFill>
+                        <a:srgbClr val="CCCCCC"/>
+                      </a:solidFill>
+                      <a:prstDash val="solid"/>
+                      <a:round/>
+                      <a:headEnd type="none" w="med" len="med"/>
+                      <a:tailEnd type="none" w="med" len="med"/>
+                    </a:lnT>
+                    <a:lnB w="9525" cap="flat" cmpd="sng" algn="ctr">
+                      <a:solidFill>
+                        <a:srgbClr val="CCCCCC"/>
+                      </a:solidFill>
+                      <a:prstDash val="solid"/>
+                      <a:round/>
+                      <a:headEnd type="none" w="med" len="med"/>
+                      <a:tailEnd type="none" w="med" len="med"/>
+                    </a:lnB>
+                    <a:solidFill>
+                      <a:srgbClr val="A2C4C9"/>
+                    </a:solidFill>
+                  </a:tcPr>
+                </a:tc>
+              </a:tr>
+              <a:tr h="200025">
+                <a:tc>
+                  <a:txBody>
+                    <a:bodyPr/>
+                    <a:lstStyle/>
+                    <a:p>
+                      <a:pPr rtl="0" fontAlgn="b"/>
+                      <a:r>
+                        <a:rPr lang="en-GB" sz="1400" dirty="0">
+                          <a:effectLst/>
+                        </a:rPr>
+                        <a:t>"POI_name2"</a:t>
+                      </a:r>
+                    </a:p>
+                  </a:txBody>
+                  <a:tcPr marL="28575" marR="28575" marT="19050" marB="19050" anchor="b">
+                    <a:lnL w="9525" cap="flat" cmpd="sng" algn="ctr">
+                      <a:solidFill>
+                        <a:srgbClr val="CCCCCC"/>
+                      </a:solidFill>
+                      <a:prstDash val="solid"/>
+                      <a:round/>
+                      <a:headEnd type="none" w="med" len="med"/>
+                      <a:tailEnd type="none" w="med" len="med"/>
+                    </a:lnL>
+                    <a:lnR w="9525" cap="flat" cmpd="sng" algn="ctr">
+                      <a:solidFill>
+                        <a:srgbClr val="CCCCCC"/>
+                      </a:solidFill>
+                      <a:prstDash val="solid"/>
+                      <a:round/>
+                      <a:headEnd type="none" w="med" len="med"/>
+                      <a:tailEnd type="none" w="med" len="med"/>
+                    </a:lnR>
+                    <a:lnT w="9525" cap="flat" cmpd="sng" algn="ctr">
+                      <a:solidFill>
+                        <a:srgbClr val="CCCCCC"/>
+                      </a:solidFill>
+                      <a:prstDash val="solid"/>
+                      <a:round/>
+                      <a:headEnd type="none" w="med" len="med"/>
+                      <a:tailEnd type="none" w="med" len="med"/>
+                    </a:lnT>
+                    <a:lnB w="9525" cap="flat" cmpd="sng" algn="ctr">
+                      <a:solidFill>
+                        <a:srgbClr val="CCCCCC"/>
+                      </a:solidFill>
+                      <a:prstDash val="solid"/>
+                      <a:round/>
+                      <a:headEnd type="none" w="med" len="med"/>
+                      <a:tailEnd type="none" w="med" len="med"/>
+                    </a:lnB>
+                    <a:solidFill>
+                      <a:srgbClr val="93C47D"/>
+                    </a:solidFill>
+                  </a:tcPr>
+                </a:tc>
+                <a:tc>
+                  <a:txBody>
+                    <a:bodyPr/>
+                    <a:lstStyle/>
+                    <a:p>
+                      <a:pPr rtl="0" fontAlgn="b"/>
+                      <a:r>
+                        <a:rPr lang="en-GB" sz="1400">
+                          <a:effectLst/>
+                        </a:rPr>
+                        <a:t>...</a:t>
+                      </a:r>
+                    </a:p>
+                  </a:txBody>
+                  <a:tcPr marL="28575" marR="28575" marT="19050" marB="19050" anchor="b">
+                    <a:lnL w="9525" cap="flat" cmpd="sng" algn="ctr">
+                      <a:solidFill>
+                        <a:srgbClr val="CCCCCC"/>
+                      </a:solidFill>
+                      <a:prstDash val="solid"/>
+                      <a:round/>
+                      <a:headEnd type="none" w="med" len="med"/>
+                      <a:tailEnd type="none" w="med" len="med"/>
+                    </a:lnL>
+                    <a:lnR w="9525" cap="flat" cmpd="sng" algn="ctr">
+                      <a:solidFill>
+                        <a:srgbClr val="CCCCCC"/>
+                      </a:solidFill>
+                      <a:prstDash val="solid"/>
+                      <a:round/>
+                      <a:headEnd type="none" w="med" len="med"/>
+                      <a:tailEnd type="none" w="med" len="med"/>
+                    </a:lnR>
+                    <a:lnT w="9525" cap="flat" cmpd="sng" algn="ctr">
+                      <a:solidFill>
+                        <a:srgbClr val="CCCCCC"/>
+                      </a:solidFill>
+                      <a:prstDash val="solid"/>
+                      <a:round/>
+                      <a:headEnd type="none" w="med" len="med"/>
+                      <a:tailEnd type="none" w="med" len="med"/>
+                    </a:lnT>
+                    <a:lnB w="9525" cap="flat" cmpd="sng" algn="ctr">
+                      <a:solidFill>
+                        <a:srgbClr val="CCCCCC"/>
+                      </a:solidFill>
+                      <a:prstDash val="solid"/>
+                      <a:round/>
+                      <a:headEnd type="none" w="med" len="med"/>
+                      <a:tailEnd type="none" w="med" len="med"/>
+                    </a:lnB>
+                    <a:solidFill>
+                      <a:srgbClr val="93C47D"/>
+                    </a:solidFill>
+                  </a:tcPr>
+                </a:tc>
+                <a:tc>
+                  <a:txBody>
+                    <a:bodyPr/>
+                    <a:lstStyle/>
+                    <a:p>
+                      <a:pPr rtl="0" fontAlgn="b"/>
+                      <a:endParaRPr lang="en-GB" sz="1400" dirty="0">
+                        <a:effectLst/>
+                      </a:endParaRPr>
+                    </a:p>
+                  </a:txBody>
+                  <a:tcPr marL="28575" marR="28575" marT="19050" marB="19050" anchor="b">
+                    <a:lnL w="9525" cap="flat" cmpd="sng" algn="ctr">
+                      <a:solidFill>
+                        <a:srgbClr val="CCCCCC"/>
+                      </a:solidFill>
+                      <a:prstDash val="solid"/>
+                      <a:round/>
+                      <a:headEnd type="none" w="med" len="med"/>
+                      <a:tailEnd type="none" w="med" len="med"/>
+                    </a:lnL>
+                    <a:lnR w="9525" cap="flat" cmpd="sng" algn="ctr">
+                      <a:solidFill>
+                        <a:srgbClr val="CCCCCC"/>
+                      </a:solidFill>
+                      <a:prstDash val="solid"/>
+                      <a:round/>
+                      <a:headEnd type="none" w="med" len="med"/>
+                      <a:tailEnd type="none" w="med" len="med"/>
+                    </a:lnR>
+                    <a:lnT w="9525" cap="flat" cmpd="sng" algn="ctr">
+                      <a:solidFill>
+                        <a:srgbClr val="CCCCCC"/>
+                      </a:solidFill>
+                      <a:prstDash val="solid"/>
+                      <a:round/>
+                      <a:headEnd type="none" w="med" len="med"/>
+                      <a:tailEnd type="none" w="med" len="med"/>
+                    </a:lnT>
+                    <a:lnB w="9525" cap="flat" cmpd="sng" algn="ctr">
+                      <a:solidFill>
+                        <a:srgbClr val="CCCCCC"/>
+                      </a:solidFill>
+                      <a:prstDash val="solid"/>
+                      <a:round/>
+                      <a:headEnd type="none" w="med" len="med"/>
+                      <a:tailEnd type="none" w="med" len="med"/>
+                    </a:lnB>
+                    <a:solidFill>
+                      <a:srgbClr val="93C47D"/>
+                    </a:solidFill>
+                  </a:tcPr>
+                </a:tc>
+                <a:tc>
+                  <a:txBody>
+                    <a:bodyPr/>
+                    <a:lstStyle/>
+                    <a:p>
+                      <a:pPr rtl="0" fontAlgn="b"/>
+                      <a:endParaRPr lang="en-GB" sz="1400" dirty="0">
+                        <a:effectLst/>
+                      </a:endParaRPr>
+                    </a:p>
+                  </a:txBody>
+                  <a:tcPr marL="28575" marR="28575" marT="19050" marB="19050" anchor="b">
+                    <a:lnL w="9525" cap="flat" cmpd="sng" algn="ctr">
+                      <a:solidFill>
+                        <a:srgbClr val="CCCCCC"/>
+                      </a:solidFill>
+                      <a:prstDash val="solid"/>
+                      <a:round/>
+                      <a:headEnd type="none" w="med" len="med"/>
+                      <a:tailEnd type="none" w="med" len="med"/>
+                    </a:lnL>
+                    <a:lnR w="9525" cap="flat" cmpd="sng" algn="ctr">
+                      <a:solidFill>
+                        <a:srgbClr val="CCCCCC"/>
+                      </a:solidFill>
+                      <a:prstDash val="solid"/>
+                      <a:round/>
+                      <a:headEnd type="none" w="med" len="med"/>
+                      <a:tailEnd type="none" w="med" len="med"/>
+                    </a:lnR>
+                    <a:lnT w="9525" cap="flat" cmpd="sng" algn="ctr">
+                      <a:solidFill>
+                        <a:srgbClr val="CCCCCC"/>
+                      </a:solidFill>
+                      <a:prstDash val="solid"/>
+                      <a:round/>
+                      <a:headEnd type="none" w="med" len="med"/>
+                      <a:tailEnd type="none" w="med" len="med"/>
+                    </a:lnT>
+                    <a:lnB w="9525" cap="flat" cmpd="sng" algn="ctr">
+                      <a:solidFill>
+                        <a:srgbClr val="CCCCCC"/>
+                      </a:solidFill>
+                      <a:prstDash val="solid"/>
+                      <a:round/>
+                      <a:headEnd type="none" w="med" len="med"/>
+                      <a:tailEnd type="none" w="med" len="med"/>
+                    </a:lnB>
+                    <a:solidFill>
+                      <a:srgbClr val="93C47D"/>
+                    </a:solidFill>
+                  </a:tcPr>
+                </a:tc>
+              </a:tr>
+            </a:tbl>
+          </a:graphicData>
+        </a:graphic>
+      </p:graphicFrame>
+      <p:graphicFrame>
+        <p:nvGraphicFramePr>
+          <p:cNvPr id="30" name="Tableau 29"/>
+          <p:cNvGraphicFramePr>
+            <a:graphicFrameLocks noGrp="1"/>
+          </p:cNvGraphicFramePr>
+          <p:nvPr>
+            <p:extLst>
+              <p:ext uri="{D42A27DB-BD31-4B8C-83A1-F6EECF244321}">
+                <p14:modId xmlns:p14="http://schemas.microsoft.com/office/powerpoint/2010/main" val="3004625862"/>
+              </p:ext>
+            </p:extLst>
+          </p:nvPr>
+        </p:nvGraphicFramePr>
+        <p:xfrm>
+          <a:off x="5612442" y="3714130"/>
+          <a:ext cx="1625661" cy="2514600"/>
+        </p:xfrm>
+        <a:graphic>
+          <a:graphicData uri="http://schemas.openxmlformats.org/drawingml/2006/table">
+            <a:tbl>
+              <a:tblPr/>
+              <a:tblGrid>
+                <a:gridCol w="1625661"/>
+              </a:tblGrid>
+              <a:tr h="200025">
+                <a:tc>
+                  <a:txBody>
+                    <a:bodyPr/>
+                    <a:lstStyle/>
+                    <a:p>
+                      <a:pPr rtl="0" fontAlgn="b"/>
+                      <a:r>
+                        <a:rPr lang="en-GB" sz="1400" dirty="0" smtClean="0">
+                          <a:effectLst/>
+                        </a:rPr>
+                        <a:t>POST to DB Server</a:t>
+                      </a:r>
+                      <a:endParaRPr lang="en-GB" sz="1400" dirty="0">
+                        <a:effectLst/>
+                      </a:endParaRPr>
+                    </a:p>
+                  </a:txBody>
+                  <a:tcPr marL="28575" marR="28575" marT="19050" marB="19050" anchor="b">
+                    <a:lnL w="9525" cap="flat" cmpd="sng" algn="ctr">
+                      <a:solidFill>
+                        <a:srgbClr val="CCCCCC"/>
+                      </a:solidFill>
+                      <a:prstDash val="solid"/>
+                      <a:round/>
+                      <a:headEnd type="none" w="med" len="med"/>
+                      <a:tailEnd type="none" w="med" len="med"/>
+                    </a:lnL>
+                    <a:lnR w="9525" cap="flat" cmpd="sng" algn="ctr">
+                      <a:solidFill>
+                        <a:srgbClr val="CCCCCC"/>
+                      </a:solidFill>
+                      <a:prstDash val="solid"/>
+                      <a:round/>
+                      <a:headEnd type="none" w="med" len="med"/>
+                      <a:tailEnd type="none" w="med" len="med"/>
+                    </a:lnR>
+                    <a:lnT w="9525" cap="flat" cmpd="sng" algn="ctr">
+                      <a:solidFill>
+                        <a:srgbClr val="CCCCCC"/>
+                      </a:solidFill>
+                      <a:prstDash val="solid"/>
+                      <a:round/>
+                      <a:headEnd type="none" w="med" len="med"/>
+                      <a:tailEnd type="none" w="med" len="med"/>
+                    </a:lnT>
+                    <a:lnB w="9525" cap="flat" cmpd="sng" algn="ctr">
+                      <a:solidFill>
+                        <a:srgbClr val="CCCCCC"/>
+                      </a:solidFill>
+                      <a:prstDash val="solid"/>
+                      <a:round/>
+                      <a:headEnd type="none" w="med" len="med"/>
+                      <a:tailEnd type="none" w="med" len="med"/>
+                    </a:lnB>
+                  </a:tcPr>
+                </a:tc>
+              </a:tr>
+              <a:tr h="200025">
+                <a:tc>
+                  <a:txBody>
+                    <a:bodyPr/>
+                    <a:lstStyle/>
+                    <a:p>
+                      <a:pPr rtl="0" fontAlgn="b"/>
+                      <a:r>
+                        <a:rPr lang="en-GB" sz="1400">
+                          <a:effectLst/>
+                        </a:rPr>
+                        <a:t>{</a:t>
+                      </a:r>
+                    </a:p>
+                  </a:txBody>
+                  <a:tcPr marL="28575" marR="28575" marT="19050" marB="19050" anchor="b">
+                    <a:lnL w="9525" cap="flat" cmpd="sng" algn="ctr">
+                      <a:solidFill>
+                        <a:srgbClr val="CCCCCC"/>
+                      </a:solidFill>
+                      <a:prstDash val="solid"/>
+                      <a:round/>
+                      <a:headEnd type="none" w="med" len="med"/>
+                      <a:tailEnd type="none" w="med" len="med"/>
+                    </a:lnL>
+                    <a:lnR w="9525" cap="flat" cmpd="sng" algn="ctr">
+                      <a:solidFill>
+                        <a:srgbClr val="CCCCCC"/>
+                      </a:solidFill>
+                      <a:prstDash val="solid"/>
+                      <a:round/>
+                      <a:headEnd type="none" w="med" len="med"/>
+                      <a:tailEnd type="none" w="med" len="med"/>
+                    </a:lnR>
+                    <a:lnT w="9525" cap="flat" cmpd="sng" algn="ctr">
+                      <a:solidFill>
+                        <a:srgbClr val="CCCCCC"/>
+                      </a:solidFill>
+                      <a:prstDash val="solid"/>
+                      <a:round/>
+                      <a:headEnd type="none" w="med" len="med"/>
+                      <a:tailEnd type="none" w="med" len="med"/>
+                    </a:lnT>
+                    <a:lnB w="9525" cap="flat" cmpd="sng" algn="ctr">
+                      <a:solidFill>
+                        <a:srgbClr val="CCCCCC"/>
+                      </a:solidFill>
+                      <a:prstDash val="solid"/>
+                      <a:round/>
+                      <a:headEnd type="none" w="med" len="med"/>
+                      <a:tailEnd type="none" w="med" len="med"/>
+                    </a:lnB>
+                    <a:solidFill>
+                      <a:srgbClr val="A2C4C9"/>
+                    </a:solidFill>
+                  </a:tcPr>
+                </a:tc>
+              </a:tr>
+              <a:tr h="200025">
+                <a:tc>
+                  <a:txBody>
+                    <a:bodyPr/>
+                    <a:lstStyle/>
+                    <a:p>
+                      <a:pPr rtl="0" fontAlgn="b"/>
+                      <a:r>
+                        <a:rPr lang="en-GB" sz="1400" dirty="0" smtClean="0">
+                          <a:effectLst/>
+                        </a:rPr>
+                        <a:t>  "</a:t>
+                      </a:r>
+                      <a:r>
+                        <a:rPr lang="en-GB" sz="1400" dirty="0">
+                          <a:effectLst/>
+                        </a:rPr>
+                        <a:t>coordinates": {</a:t>
+                      </a:r>
+                    </a:p>
+                  </a:txBody>
+                  <a:tcPr marL="28575" marR="28575" marT="19050" marB="19050" anchor="b">
+                    <a:lnL w="9525" cap="flat" cmpd="sng" algn="ctr">
+                      <a:solidFill>
+                        <a:srgbClr val="CCCCCC"/>
+                      </a:solidFill>
+                      <a:prstDash val="solid"/>
+                      <a:round/>
+                      <a:headEnd type="none" w="med" len="med"/>
+                      <a:tailEnd type="none" w="med" len="med"/>
+                    </a:lnL>
+                    <a:lnR w="9525" cap="flat" cmpd="sng" algn="ctr">
+                      <a:solidFill>
+                        <a:srgbClr val="CCCCCC"/>
+                      </a:solidFill>
+                      <a:prstDash val="solid"/>
+                      <a:round/>
+                      <a:headEnd type="none" w="med" len="med"/>
+                      <a:tailEnd type="none" w="med" len="med"/>
+                    </a:lnR>
+                    <a:lnT w="9525" cap="flat" cmpd="sng" algn="ctr">
+                      <a:solidFill>
+                        <a:srgbClr val="CCCCCC"/>
+                      </a:solidFill>
+                      <a:prstDash val="solid"/>
+                      <a:round/>
+                      <a:headEnd type="none" w="med" len="med"/>
+                      <a:tailEnd type="none" w="med" len="med"/>
+                    </a:lnT>
+                    <a:lnB w="9525" cap="flat" cmpd="sng" algn="ctr">
+                      <a:solidFill>
+                        <a:srgbClr val="CCCCCC"/>
+                      </a:solidFill>
+                      <a:prstDash val="solid"/>
+                      <a:round/>
+                      <a:headEnd type="none" w="med" len="med"/>
+                      <a:tailEnd type="none" w="med" len="med"/>
+                    </a:lnB>
+                    <a:solidFill>
+                      <a:srgbClr val="A2C4C9"/>
+                    </a:solidFill>
+                  </a:tcPr>
+                </a:tc>
+              </a:tr>
+              <a:tr h="200025">
+                <a:tc>
+                  <a:txBody>
+                    <a:bodyPr/>
+                    <a:lstStyle/>
+                    <a:p>
+                      <a:pPr rtl="0" fontAlgn="b"/>
+                      <a:r>
+                        <a:rPr lang="en-GB" sz="1400" dirty="0" smtClean="0">
+                          <a:effectLst/>
+                        </a:rPr>
+                        <a:t>     "</a:t>
+                      </a:r>
+                      <a:r>
+                        <a:rPr lang="en-GB" sz="1400" dirty="0" err="1">
+                          <a:effectLst/>
+                        </a:rPr>
+                        <a:t>lat</a:t>
+                      </a:r>
+                      <a:r>
+                        <a:rPr lang="en-GB" sz="1400" dirty="0">
+                          <a:effectLst/>
+                        </a:rPr>
+                        <a:t>": 42.23245,</a:t>
+                      </a:r>
+                    </a:p>
+                  </a:txBody>
+                  <a:tcPr marL="28575" marR="28575" marT="19050" marB="19050" anchor="b">
+                    <a:lnL w="9525" cap="flat" cmpd="sng" algn="ctr">
+                      <a:solidFill>
+                        <a:srgbClr val="CCCCCC"/>
+                      </a:solidFill>
+                      <a:prstDash val="solid"/>
+                      <a:round/>
+                      <a:headEnd type="none" w="med" len="med"/>
+                      <a:tailEnd type="none" w="med" len="med"/>
+                    </a:lnL>
+                    <a:lnR w="9525" cap="flat" cmpd="sng" algn="ctr">
+                      <a:solidFill>
+                        <a:srgbClr val="CCCCCC"/>
+                      </a:solidFill>
+                      <a:prstDash val="solid"/>
+                      <a:round/>
+                      <a:headEnd type="none" w="med" len="med"/>
+                      <a:tailEnd type="none" w="med" len="med"/>
+                    </a:lnR>
+                    <a:lnT w="9525" cap="flat" cmpd="sng" algn="ctr">
+                      <a:solidFill>
+                        <a:srgbClr val="CCCCCC"/>
+                      </a:solidFill>
+                      <a:prstDash val="solid"/>
+                      <a:round/>
+                      <a:headEnd type="none" w="med" len="med"/>
+                      <a:tailEnd type="none" w="med" len="med"/>
+                    </a:lnT>
+                    <a:lnB w="9525" cap="flat" cmpd="sng" algn="ctr">
+                      <a:solidFill>
+                        <a:srgbClr val="CCCCCC"/>
+                      </a:solidFill>
+                      <a:prstDash val="solid"/>
+                      <a:round/>
+                      <a:headEnd type="none" w="med" len="med"/>
+                      <a:tailEnd type="none" w="med" len="med"/>
+                    </a:lnB>
+                    <a:solidFill>
+                      <a:srgbClr val="A2C4C9"/>
+                    </a:solidFill>
+                  </a:tcPr>
+                </a:tc>
+              </a:tr>
+              <a:tr h="200025">
+                <a:tc>
+                  <a:txBody>
+                    <a:bodyPr/>
+                    <a:lstStyle/>
+                    <a:p>
+                      <a:pPr rtl="0" fontAlgn="b"/>
+                      <a:r>
+                        <a:rPr lang="en-GB" sz="1400" dirty="0" smtClean="0">
+                          <a:effectLst/>
+                        </a:rPr>
+                        <a:t>     "</a:t>
+                      </a:r>
+                      <a:r>
+                        <a:rPr lang="en-GB" sz="1400" dirty="0" err="1">
+                          <a:effectLst/>
+                        </a:rPr>
+                        <a:t>lon</a:t>
+                      </a:r>
+                      <a:r>
+                        <a:rPr lang="en-GB" sz="1400" dirty="0">
+                          <a:effectLst/>
+                        </a:rPr>
+                        <a:t>": 1.61543</a:t>
+                      </a:r>
+                    </a:p>
+                  </a:txBody>
+                  <a:tcPr marL="28575" marR="28575" marT="19050" marB="19050" anchor="b">
+                    <a:lnL w="9525" cap="flat" cmpd="sng" algn="ctr">
+                      <a:solidFill>
+                        <a:srgbClr val="CCCCCC"/>
+                      </a:solidFill>
+                      <a:prstDash val="solid"/>
+                      <a:round/>
+                      <a:headEnd type="none" w="med" len="med"/>
+                      <a:tailEnd type="none" w="med" len="med"/>
+                    </a:lnL>
+                    <a:lnR w="9525" cap="flat" cmpd="sng" algn="ctr">
+                      <a:solidFill>
+                        <a:srgbClr val="CCCCCC"/>
+                      </a:solidFill>
+                      <a:prstDash val="solid"/>
+                      <a:round/>
+                      <a:headEnd type="none" w="med" len="med"/>
+                      <a:tailEnd type="none" w="med" len="med"/>
+                    </a:lnR>
+                    <a:lnT w="9525" cap="flat" cmpd="sng" algn="ctr">
+                      <a:solidFill>
+                        <a:srgbClr val="CCCCCC"/>
+                      </a:solidFill>
+                      <a:prstDash val="solid"/>
+                      <a:round/>
+                      <a:headEnd type="none" w="med" len="med"/>
+                      <a:tailEnd type="none" w="med" len="med"/>
+                    </a:lnT>
+                    <a:lnB w="9525" cap="flat" cmpd="sng" algn="ctr">
+                      <a:solidFill>
+                        <a:srgbClr val="CCCCCC"/>
+                      </a:solidFill>
+                      <a:prstDash val="solid"/>
+                      <a:round/>
+                      <a:headEnd type="none" w="med" len="med"/>
+                      <a:tailEnd type="none" w="med" len="med"/>
+                    </a:lnB>
+                    <a:solidFill>
+                      <a:srgbClr val="A2C4C9"/>
+                    </a:solidFill>
+                  </a:tcPr>
+                </a:tc>
+              </a:tr>
+              <a:tr h="200025">
+                <a:tc>
+                  <a:txBody>
+                    <a:bodyPr/>
+                    <a:lstStyle/>
+                    <a:p>
+                      <a:pPr rtl="0" fontAlgn="b"/>
+                      <a:r>
+                        <a:rPr lang="en-GB" sz="1400" dirty="0" smtClean="0">
+                          <a:effectLst/>
+                        </a:rPr>
+                        <a:t>  },</a:t>
+                      </a:r>
+                      <a:endParaRPr lang="en-GB" sz="1400" dirty="0">
+                        <a:effectLst/>
+                      </a:endParaRPr>
+                    </a:p>
+                  </a:txBody>
+                  <a:tcPr marL="28575" marR="28575" marT="19050" marB="19050" anchor="b">
+                    <a:lnL w="9525" cap="flat" cmpd="sng" algn="ctr">
+                      <a:solidFill>
+                        <a:srgbClr val="CCCCCC"/>
+                      </a:solidFill>
+                      <a:prstDash val="solid"/>
+                      <a:round/>
+                      <a:headEnd type="none" w="med" len="med"/>
+                      <a:tailEnd type="none" w="med" len="med"/>
+                    </a:lnL>
+                    <a:lnR w="9525" cap="flat" cmpd="sng" algn="ctr">
+                      <a:solidFill>
+                        <a:srgbClr val="CCCCCC"/>
+                      </a:solidFill>
+                      <a:prstDash val="solid"/>
+                      <a:round/>
+                      <a:headEnd type="none" w="med" len="med"/>
+                      <a:tailEnd type="none" w="med" len="med"/>
+                    </a:lnR>
+                    <a:lnT w="9525" cap="flat" cmpd="sng" algn="ctr">
+                      <a:solidFill>
+                        <a:srgbClr val="CCCCCC"/>
+                      </a:solidFill>
+                      <a:prstDash val="solid"/>
+                      <a:round/>
+                      <a:headEnd type="none" w="med" len="med"/>
+                      <a:tailEnd type="none" w="med" len="med"/>
+                    </a:lnT>
+                    <a:lnB w="9525" cap="flat" cmpd="sng" algn="ctr">
+                      <a:solidFill>
+                        <a:srgbClr val="CCCCCC"/>
+                      </a:solidFill>
+                      <a:prstDash val="solid"/>
+                      <a:round/>
+                      <a:headEnd type="none" w="med" len="med"/>
+                      <a:tailEnd type="none" w="med" len="med"/>
+                    </a:lnB>
+                    <a:solidFill>
+                      <a:srgbClr val="A2C4C9"/>
+                    </a:solidFill>
+                  </a:tcPr>
+                </a:tc>
+              </a:tr>
+              <a:tr h="200025">
+                <a:tc>
+                  <a:txBody>
+                    <a:bodyPr/>
+                    <a:lstStyle/>
+                    <a:p>
+                      <a:pPr rtl="0" fontAlgn="b"/>
+                      <a:r>
+                        <a:rPr lang="en-GB" sz="1400" dirty="0" smtClean="0">
+                          <a:effectLst/>
+                        </a:rPr>
+                        <a:t>  "</a:t>
+                      </a:r>
+                      <a:r>
+                        <a:rPr lang="en-GB" sz="1400" dirty="0">
+                          <a:effectLst/>
+                        </a:rPr>
+                        <a:t>options": {</a:t>
+                      </a:r>
+                    </a:p>
+                  </a:txBody>
+                  <a:tcPr marL="28575" marR="28575" marT="19050" marB="19050" anchor="b">
+                    <a:lnL w="9525" cap="flat" cmpd="sng" algn="ctr">
+                      <a:solidFill>
+                        <a:srgbClr val="CCCCCC"/>
+                      </a:solidFill>
+                      <a:prstDash val="solid"/>
+                      <a:round/>
+                      <a:headEnd type="none" w="med" len="med"/>
+                      <a:tailEnd type="none" w="med" len="med"/>
+                    </a:lnL>
+                    <a:lnR w="9525" cap="flat" cmpd="sng" algn="ctr">
+                      <a:solidFill>
+                        <a:srgbClr val="CCCCCC"/>
+                      </a:solidFill>
+                      <a:prstDash val="solid"/>
+                      <a:round/>
+                      <a:headEnd type="none" w="med" len="med"/>
+                      <a:tailEnd type="none" w="med" len="med"/>
+                    </a:lnR>
+                    <a:lnT w="9525" cap="flat" cmpd="sng" algn="ctr">
+                      <a:solidFill>
+                        <a:srgbClr val="CCCCCC"/>
+                      </a:solidFill>
+                      <a:prstDash val="solid"/>
+                      <a:round/>
+                      <a:headEnd type="none" w="med" len="med"/>
+                      <a:tailEnd type="none" w="med" len="med"/>
+                    </a:lnT>
+                    <a:lnB w="9525" cap="flat" cmpd="sng" algn="ctr">
+                      <a:solidFill>
+                        <a:srgbClr val="CCCCCC"/>
+                      </a:solidFill>
+                      <a:prstDash val="solid"/>
+                      <a:round/>
+                      <a:headEnd type="none" w="med" len="med"/>
+                      <a:tailEnd type="none" w="med" len="med"/>
+                    </a:lnB>
+                    <a:solidFill>
+                      <a:srgbClr val="A2C4C9"/>
+                    </a:solidFill>
+                  </a:tcPr>
+                </a:tc>
+              </a:tr>
+              <a:tr h="200025">
+                <a:tc>
+                  <a:txBody>
+                    <a:bodyPr/>
+                    <a:lstStyle/>
+                    <a:p>
+                      <a:pPr rtl="0" fontAlgn="b"/>
+                      <a:r>
+                        <a:rPr lang="en-GB" sz="1400" dirty="0" smtClean="0">
+                          <a:effectLst/>
+                        </a:rPr>
+                        <a:t>     "</a:t>
+                      </a:r>
+                      <a:r>
+                        <a:rPr lang="en-GB" sz="1400" dirty="0" err="1">
+                          <a:effectLst/>
+                        </a:rPr>
+                        <a:t>nb</a:t>
+                      </a:r>
+                      <a:r>
+                        <a:rPr lang="en-GB" sz="1400" dirty="0">
+                          <a:effectLst/>
+                        </a:rPr>
+                        <a:t>": 1</a:t>
+                      </a:r>
+                    </a:p>
+                  </a:txBody>
+                  <a:tcPr marL="28575" marR="28575" marT="19050" marB="19050" anchor="b">
+                    <a:lnL w="9525" cap="flat" cmpd="sng" algn="ctr">
+                      <a:solidFill>
+                        <a:srgbClr val="CCCCCC"/>
+                      </a:solidFill>
+                      <a:prstDash val="solid"/>
+                      <a:round/>
+                      <a:headEnd type="none" w="med" len="med"/>
+                      <a:tailEnd type="none" w="med" len="med"/>
+                    </a:lnL>
+                    <a:lnR w="9525" cap="flat" cmpd="sng" algn="ctr">
+                      <a:solidFill>
+                        <a:srgbClr val="CCCCCC"/>
+                      </a:solidFill>
+                      <a:prstDash val="solid"/>
+                      <a:round/>
+                      <a:headEnd type="none" w="med" len="med"/>
+                      <a:tailEnd type="none" w="med" len="med"/>
+                    </a:lnR>
+                    <a:lnT w="9525" cap="flat" cmpd="sng" algn="ctr">
+                      <a:solidFill>
+                        <a:srgbClr val="CCCCCC"/>
+                      </a:solidFill>
+                      <a:prstDash val="solid"/>
+                      <a:round/>
+                      <a:headEnd type="none" w="med" len="med"/>
+                      <a:tailEnd type="none" w="med" len="med"/>
+                    </a:lnT>
+                    <a:lnB w="9525" cap="flat" cmpd="sng" algn="ctr">
+                      <a:solidFill>
+                        <a:srgbClr val="CCCCCC"/>
+                      </a:solidFill>
+                      <a:prstDash val="solid"/>
+                      <a:round/>
+                      <a:headEnd type="none" w="med" len="med"/>
+                      <a:tailEnd type="none" w="med" len="med"/>
+                    </a:lnB>
+                    <a:solidFill>
+                      <a:srgbClr val="A2C4C9"/>
+                    </a:solidFill>
+                  </a:tcPr>
+                </a:tc>
+              </a:tr>
+              <a:tr h="200025">
+                <a:tc>
+                  <a:txBody>
+                    <a:bodyPr/>
+                    <a:lstStyle/>
+                    <a:p>
+                      <a:pPr rtl="0" fontAlgn="b"/>
+                      <a:r>
+                        <a:rPr lang="en-GB" sz="1400" dirty="0" smtClean="0">
+                          <a:effectLst/>
+                        </a:rPr>
+                        <a:t>  }</a:t>
+                      </a:r>
+                      <a:endParaRPr lang="en-GB" sz="1400" dirty="0">
+                        <a:effectLst/>
+                      </a:endParaRPr>
+                    </a:p>
+                  </a:txBody>
+                  <a:tcPr marL="28575" marR="28575" marT="19050" marB="19050" anchor="b">
+                    <a:lnL w="9525" cap="flat" cmpd="sng" algn="ctr">
+                      <a:solidFill>
+                        <a:srgbClr val="CCCCCC"/>
+                      </a:solidFill>
+                      <a:prstDash val="solid"/>
+                      <a:round/>
+                      <a:headEnd type="none" w="med" len="med"/>
+                      <a:tailEnd type="none" w="med" len="med"/>
+                    </a:lnL>
+                    <a:lnR w="9525" cap="flat" cmpd="sng" algn="ctr">
+                      <a:solidFill>
+                        <a:srgbClr val="CCCCCC"/>
+                      </a:solidFill>
+                      <a:prstDash val="solid"/>
+                      <a:round/>
+                      <a:headEnd type="none" w="med" len="med"/>
+                      <a:tailEnd type="none" w="med" len="med"/>
+                    </a:lnR>
+                    <a:lnT w="9525" cap="flat" cmpd="sng" algn="ctr">
+                      <a:solidFill>
+                        <a:srgbClr val="CCCCCC"/>
+                      </a:solidFill>
+                      <a:prstDash val="solid"/>
+                      <a:round/>
+                      <a:headEnd type="none" w="med" len="med"/>
+                      <a:tailEnd type="none" w="med" len="med"/>
+                    </a:lnT>
+                    <a:lnB w="9525" cap="flat" cmpd="sng" algn="ctr">
+                      <a:solidFill>
+                        <a:srgbClr val="CCCCCC"/>
+                      </a:solidFill>
+                      <a:prstDash val="solid"/>
+                      <a:round/>
+                      <a:headEnd type="none" w="med" len="med"/>
+                      <a:tailEnd type="none" w="med" len="med"/>
+                    </a:lnB>
+                    <a:solidFill>
+                      <a:srgbClr val="A2C4C9"/>
+                    </a:solidFill>
+                  </a:tcPr>
+                </a:tc>
+              </a:tr>
+              <a:tr h="200025">
+                <a:tc>
+                  <a:txBody>
+                    <a:bodyPr/>
+                    <a:lstStyle/>
+                    <a:p>
+                      <a:pPr rtl="0" fontAlgn="b"/>
+                      <a:r>
+                        <a:rPr lang="en-GB" sz="1400" dirty="0">
+                          <a:effectLst/>
+                        </a:rPr>
+                        <a:t>}</a:t>
+                      </a:r>
+                    </a:p>
+                  </a:txBody>
+                  <a:tcPr marL="28575" marR="28575" marT="19050" marB="19050" anchor="b">
+                    <a:lnL w="9525" cap="flat" cmpd="sng" algn="ctr">
+                      <a:solidFill>
+                        <a:srgbClr val="CCCCCC"/>
+                      </a:solidFill>
+                      <a:prstDash val="solid"/>
+                      <a:round/>
+                      <a:headEnd type="none" w="med" len="med"/>
+                      <a:tailEnd type="none" w="med" len="med"/>
+                    </a:lnL>
+                    <a:lnR w="9525" cap="flat" cmpd="sng" algn="ctr">
+                      <a:solidFill>
+                        <a:srgbClr val="CCCCCC"/>
+                      </a:solidFill>
+                      <a:prstDash val="solid"/>
+                      <a:round/>
+                      <a:headEnd type="none" w="med" len="med"/>
+                      <a:tailEnd type="none" w="med" len="med"/>
+                    </a:lnR>
+                    <a:lnT w="9525" cap="flat" cmpd="sng" algn="ctr">
+                      <a:solidFill>
+                        <a:srgbClr val="CCCCCC"/>
+                      </a:solidFill>
+                      <a:prstDash val="solid"/>
+                      <a:round/>
+                      <a:headEnd type="none" w="med" len="med"/>
+                      <a:tailEnd type="none" w="med" len="med"/>
+                    </a:lnT>
+                    <a:lnB w="9525" cap="flat" cmpd="sng" algn="ctr">
+                      <a:solidFill>
+                        <a:srgbClr val="CCCCCC"/>
+                      </a:solidFill>
+                      <a:prstDash val="solid"/>
+                      <a:round/>
+                      <a:headEnd type="none" w="med" len="med"/>
+                      <a:tailEnd type="none" w="med" len="med"/>
+                    </a:lnB>
+                    <a:solidFill>
+                      <a:srgbClr val="A2C4C9"/>
+                    </a:solidFill>
+                  </a:tcPr>
+                </a:tc>
+              </a:tr>
+            </a:tbl>
+          </a:graphicData>
+        </a:graphic>
+      </p:graphicFrame>
+      <p:sp>
+        <p:nvSpPr>
+          <p:cNvPr id="31" name="Rectangle 30"/>
           <p:cNvSpPr/>
           <p:nvPr/>
         </p:nvSpPr>
         <p:spPr>
           <a:xfrm>
-            <a:off x="3587041" y="2208303"/>
-            <a:ext cx="1861752" cy="259343"/>
-          </a:xfrm>
-          <a:prstGeom prst="rightArrow">
-            <a:avLst/>
-          </a:prstGeom>
-        </p:spPr>
-        <p:style>
-          <a:lnRef idx="2">
-            <a:schemeClr val="accent1">
-              <a:shade val="50000"/>
-            </a:schemeClr>
-          </a:lnRef>
-          <a:fillRef idx="1">
-            <a:schemeClr val="accent1"/>
-          </a:fillRef>
-          <a:effectRef idx="0">
-            <a:schemeClr val="accent1"/>
-          </a:effectRef>
-          <a:fontRef idx="minor">
-            <a:schemeClr val="lt1"/>
-          </a:fontRef>
-        </p:style>
-        <p:txBody>
-          <a:bodyPr rtlCol="0" anchor="ctr"/>
-          <a:lstStyle/>
-          <a:p>
-            <a:pPr algn="ctr"/>
-            <a:r>
-              <a:rPr lang="fr-FR" sz="1050" dirty="0" err="1" smtClean="0"/>
-              <a:t>Send</a:t>
-            </a:r>
-            <a:r>
-              <a:rPr lang="fr-FR" sz="1050" dirty="0" smtClean="0"/>
-              <a:t> a hit </a:t>
-            </a:r>
-            <a:r>
-              <a:rPr lang="fr-FR" sz="1050" dirty="0" err="1" smtClean="0"/>
-              <a:t>vector</a:t>
-            </a:r>
-            <a:endParaRPr lang="en-GB" sz="1050" dirty="0"/>
-          </a:p>
-        </p:txBody>
-      </p:sp>
-      <p:sp>
-        <p:nvSpPr>
-          <p:cNvPr id="11" name="Flèche droite 10"/>
-          <p:cNvSpPr/>
-          <p:nvPr/>
-        </p:nvSpPr>
-        <p:spPr>
-          <a:xfrm flipH="1">
-            <a:off x="3489146" y="2427700"/>
-            <a:ext cx="1831868" cy="255180"/>
-          </a:xfrm>
-          <a:prstGeom prst="rightArrow">
-            <a:avLst/>
-          </a:prstGeom>
-        </p:spPr>
-        <p:style>
-          <a:lnRef idx="2">
-            <a:schemeClr val="accent1">
-              <a:shade val="50000"/>
-            </a:schemeClr>
-          </a:lnRef>
-          <a:fillRef idx="1">
-            <a:schemeClr val="accent1"/>
-          </a:fillRef>
-          <a:effectRef idx="0">
-            <a:schemeClr val="accent1"/>
-          </a:effectRef>
-          <a:fontRef idx="minor">
-            <a:schemeClr val="lt1"/>
-          </a:fontRef>
-        </p:style>
-        <p:txBody>
-          <a:bodyPr rtlCol="0" anchor="ctr"/>
-          <a:lstStyle/>
-          <a:p>
-            <a:pPr algn="ctr"/>
-            <a:r>
-              <a:rPr lang="fr-FR" sz="1050" dirty="0" err="1" smtClean="0"/>
-              <a:t>Give</a:t>
-            </a:r>
-            <a:r>
-              <a:rPr lang="fr-FR" sz="1050" dirty="0" smtClean="0"/>
-              <a:t> new position and </a:t>
-            </a:r>
-            <a:r>
-              <a:rPr lang="fr-FR" sz="1050" dirty="0" err="1" smtClean="0"/>
-              <a:t>POIs</a:t>
-            </a:r>
-            <a:endParaRPr lang="en-GB" sz="1050" dirty="0"/>
-          </a:p>
-        </p:txBody>
-      </p:sp>
-      <p:sp>
-        <p:nvSpPr>
-          <p:cNvPr id="13" name="Rectangle 12"/>
-          <p:cNvSpPr/>
-          <p:nvPr/>
-        </p:nvSpPr>
-        <p:spPr>
-          <a:xfrm>
-            <a:off x="9223820" y="1767576"/>
-            <a:ext cx="1676398" cy="914400"/>
+            <a:off x="7259905" y="3642450"/>
+            <a:ext cx="1605696" cy="307777"/>
           </a:xfrm>
           <a:prstGeom prst="rect">
             <a:avLst/>
           </a:prstGeom>
         </p:spPr>
-        <p:style>
-          <a:lnRef idx="1">
-            <a:schemeClr val="accent3"/>
-          </a:lnRef>
-          <a:fillRef idx="2">
-            <a:schemeClr val="accent3"/>
-          </a:fillRef>
-          <a:effectRef idx="1">
-            <a:schemeClr val="accent3"/>
-          </a:effectRef>
-          <a:fontRef idx="minor">
-            <a:schemeClr val="dk1"/>
-          </a:fontRef>
-        </p:style>
-        <p:txBody>
-          <a:bodyPr rtlCol="0" anchor="ctr"/>
+        <p:txBody>
+          <a:bodyPr wrap="none">
+            <a:spAutoFit/>
+          </a:bodyPr>
           <a:lstStyle/>
           <a:p>
-            <a:pPr algn="ctr"/>
-            <a:r>
-              <a:rPr lang="fr-FR" dirty="0" err="1" smtClean="0"/>
-              <a:t>Database</a:t>
-            </a:r>
-            <a:r>
-              <a:rPr lang="fr-FR" dirty="0" smtClean="0"/>
-              <a:t> Server</a:t>
-            </a:r>
-          </a:p>
-        </p:txBody>
-      </p:sp>
-      <p:sp>
-        <p:nvSpPr>
-          <p:cNvPr id="14" name="Flèche droite 13"/>
-          <p:cNvSpPr/>
-          <p:nvPr/>
-        </p:nvSpPr>
-        <p:spPr>
-          <a:xfrm>
-            <a:off x="7326053" y="1966263"/>
-            <a:ext cx="1861752" cy="259343"/>
-          </a:xfrm>
-          <a:prstGeom prst="rightArrow">
-            <a:avLst/>
-          </a:prstGeom>
-        </p:spPr>
-        <p:style>
-          <a:lnRef idx="2">
-            <a:schemeClr val="accent1">
-              <a:shade val="50000"/>
-            </a:schemeClr>
-          </a:lnRef>
-          <a:fillRef idx="1">
-            <a:schemeClr val="accent1"/>
-          </a:fillRef>
-          <a:effectRef idx="0">
-            <a:schemeClr val="accent1"/>
-          </a:effectRef>
-          <a:fontRef idx="minor">
-            <a:schemeClr val="lt1"/>
-          </a:fontRef>
-        </p:style>
-        <p:txBody>
-          <a:bodyPr rtlCol="0" anchor="ctr"/>
-          <a:lstStyle/>
-          <a:p>
-            <a:pPr algn="ctr"/>
-            <a:r>
-              <a:rPr lang="fr-FR" sz="1050" smtClean="0"/>
-              <a:t>Give</a:t>
-            </a:r>
-            <a:r>
-              <a:rPr lang="fr-FR" sz="1050" dirty="0" smtClean="0"/>
-              <a:t> a location</a:t>
-            </a:r>
-            <a:endParaRPr lang="en-GB" sz="1050" dirty="0"/>
-          </a:p>
-        </p:txBody>
-      </p:sp>
-      <p:sp>
-        <p:nvSpPr>
-          <p:cNvPr id="15" name="Flèche droite 14"/>
-          <p:cNvSpPr/>
-          <p:nvPr/>
-        </p:nvSpPr>
-        <p:spPr>
-          <a:xfrm flipH="1">
-            <a:off x="7244633" y="2185659"/>
-            <a:ext cx="1831869" cy="255180"/>
-          </a:xfrm>
-          <a:prstGeom prst="rightArrow">
-            <a:avLst/>
-          </a:prstGeom>
-        </p:spPr>
-        <p:style>
-          <a:lnRef idx="2">
-            <a:schemeClr val="accent1">
-              <a:shade val="50000"/>
-            </a:schemeClr>
-          </a:lnRef>
-          <a:fillRef idx="1">
-            <a:schemeClr val="accent1"/>
-          </a:fillRef>
-          <a:effectRef idx="0">
-            <a:schemeClr val="accent1"/>
-          </a:effectRef>
-          <a:fontRef idx="minor">
-            <a:schemeClr val="lt1"/>
-          </a:fontRef>
-        </p:style>
-        <p:txBody>
-          <a:bodyPr rtlCol="0" anchor="ctr"/>
-          <a:lstStyle/>
-          <a:p>
-            <a:pPr algn="ctr"/>
-            <a:r>
-              <a:rPr lang="fr-FR" sz="1050" dirty="0" err="1" smtClean="0"/>
-              <a:t>Respond</a:t>
-            </a:r>
-            <a:r>
-              <a:rPr lang="fr-FR" sz="1050" dirty="0" smtClean="0"/>
-              <a:t> </a:t>
-            </a:r>
-            <a:r>
-              <a:rPr lang="fr-FR" sz="1050" dirty="0" err="1" smtClean="0"/>
-              <a:t>with</a:t>
-            </a:r>
-            <a:r>
-              <a:rPr lang="fr-FR" sz="1050" dirty="0" smtClean="0"/>
-              <a:t> </a:t>
-            </a:r>
-            <a:r>
-              <a:rPr lang="fr-FR" sz="1050" dirty="0" err="1" smtClean="0"/>
-              <a:t>near</a:t>
-            </a:r>
-            <a:r>
-              <a:rPr lang="fr-FR" sz="1050" dirty="0" smtClean="0"/>
-              <a:t> </a:t>
-            </a:r>
-            <a:r>
-              <a:rPr lang="fr-FR" sz="1050" dirty="0" err="1" smtClean="0"/>
-              <a:t>POIs</a:t>
-            </a:r>
-            <a:endParaRPr lang="en-GB" sz="1050" dirty="0"/>
-          </a:p>
-        </p:txBody>
-      </p:sp>
-      <p:sp>
-        <p:nvSpPr>
-          <p:cNvPr id="23" name="Rectangle 22"/>
-          <p:cNvSpPr/>
-          <p:nvPr/>
-        </p:nvSpPr>
-        <p:spPr>
-          <a:xfrm>
-            <a:off x="5502337" y="4360386"/>
-            <a:ext cx="1676398" cy="914400"/>
-          </a:xfrm>
-          <a:prstGeom prst="rect">
-            <a:avLst/>
-          </a:prstGeom>
-        </p:spPr>
-        <p:style>
-          <a:lnRef idx="1">
-            <a:schemeClr val="accent3"/>
-          </a:lnRef>
-          <a:fillRef idx="2">
-            <a:schemeClr val="accent3"/>
-          </a:fillRef>
-          <a:effectRef idx="1">
-            <a:schemeClr val="accent3"/>
-          </a:effectRef>
-          <a:fontRef idx="minor">
-            <a:schemeClr val="dk1"/>
-          </a:fontRef>
-        </p:style>
-        <p:txBody>
-          <a:bodyPr rtlCol="0" anchor="ctr"/>
-          <a:lstStyle/>
-          <a:p>
-            <a:pPr algn="ctr"/>
-            <a:r>
-              <a:rPr lang="fr-FR" dirty="0" smtClean="0"/>
-              <a:t>Web </a:t>
-            </a:r>
-            <a:r>
-              <a:rPr lang="fr-FR" dirty="0" err="1" smtClean="0"/>
-              <a:t>Supervisor</a:t>
-            </a:r>
-            <a:endParaRPr lang="fr-FR" dirty="0" smtClean="0"/>
-          </a:p>
-        </p:txBody>
-      </p:sp>
-      <p:sp>
-        <p:nvSpPr>
-          <p:cNvPr id="24" name="Flèche droite 23"/>
-          <p:cNvSpPr/>
-          <p:nvPr/>
-        </p:nvSpPr>
-        <p:spPr>
-          <a:xfrm rot="5400000">
-            <a:off x="5773033" y="3431041"/>
-            <a:ext cx="1556943" cy="259343"/>
-          </a:xfrm>
-          <a:prstGeom prst="rightArrow">
-            <a:avLst/>
-          </a:prstGeom>
-        </p:spPr>
-        <p:style>
-          <a:lnRef idx="2">
-            <a:schemeClr val="accent1">
-              <a:shade val="50000"/>
-            </a:schemeClr>
-          </a:lnRef>
-          <a:fillRef idx="1">
-            <a:schemeClr val="accent1"/>
-          </a:fillRef>
-          <a:effectRef idx="0">
-            <a:schemeClr val="accent1"/>
-          </a:effectRef>
-          <a:fontRef idx="minor">
-            <a:schemeClr val="lt1"/>
-          </a:fontRef>
-        </p:style>
-        <p:txBody>
-          <a:bodyPr rtlCol="0" anchor="ctr"/>
-          <a:lstStyle/>
-          <a:p>
-            <a:pPr algn="ctr"/>
-            <a:r>
-              <a:rPr lang="fr-FR" sz="1050" dirty="0" err="1" smtClean="0"/>
-              <a:t>Response</a:t>
-            </a:r>
-            <a:r>
-              <a:rPr lang="fr-FR" sz="1050" dirty="0" smtClean="0"/>
-              <a:t> </a:t>
-            </a:r>
-            <a:r>
-              <a:rPr lang="fr-FR" sz="1050" dirty="0" err="1" smtClean="0"/>
-              <a:t>with</a:t>
-            </a:r>
-            <a:r>
-              <a:rPr lang="fr-FR" sz="1050" dirty="0" smtClean="0"/>
-              <a:t> </a:t>
-            </a:r>
-            <a:r>
-              <a:rPr lang="fr-FR" sz="1050" dirty="0" err="1" smtClean="0"/>
-              <a:t>stats</a:t>
-            </a:r>
-            <a:endParaRPr lang="en-GB" sz="1050" dirty="0"/>
-          </a:p>
-        </p:txBody>
-      </p:sp>
-      <p:sp>
-        <p:nvSpPr>
-          <p:cNvPr id="25" name="Flèche droite 24"/>
-          <p:cNvSpPr/>
-          <p:nvPr/>
-        </p:nvSpPr>
-        <p:spPr>
-          <a:xfrm rot="5400000" flipH="1">
-            <a:off x="5402301" y="3343180"/>
-            <a:ext cx="1531952" cy="255180"/>
-          </a:xfrm>
-          <a:prstGeom prst="rightArrow">
-            <a:avLst/>
-          </a:prstGeom>
-        </p:spPr>
-        <p:style>
-          <a:lnRef idx="2">
-            <a:schemeClr val="accent1">
-              <a:shade val="50000"/>
-            </a:schemeClr>
-          </a:lnRef>
-          <a:fillRef idx="1">
-            <a:schemeClr val="accent1"/>
-          </a:fillRef>
-          <a:effectRef idx="0">
-            <a:schemeClr val="accent1"/>
-          </a:effectRef>
-          <a:fontRef idx="minor">
-            <a:schemeClr val="lt1"/>
-          </a:fontRef>
-        </p:style>
-        <p:txBody>
-          <a:bodyPr rtlCol="0" anchor="ctr"/>
-          <a:lstStyle/>
-          <a:p>
-            <a:pPr algn="ctr"/>
-            <a:r>
-              <a:rPr lang="fr-FR" sz="1050" dirty="0" err="1" smtClean="0"/>
-              <a:t>Ask</a:t>
-            </a:r>
-            <a:r>
-              <a:rPr lang="fr-FR" sz="1050" dirty="0" smtClean="0"/>
-              <a:t> for </a:t>
-            </a:r>
-            <a:r>
-              <a:rPr lang="fr-FR" sz="1050" dirty="0" err="1" smtClean="0"/>
-              <a:t>stats</a:t>
-            </a:r>
-            <a:endParaRPr lang="en-GB" sz="1050" dirty="0"/>
+            <a:pPr fontAlgn="b"/>
+            <a:r>
+              <a:rPr lang="en-GB" sz="1400" dirty="0" smtClean="0">
+                <a:effectLst/>
+              </a:rPr>
+              <a:t>DB Server response</a:t>
+            </a:r>
+            <a:endParaRPr lang="en-GB" sz="1400" dirty="0">
+              <a:effectLst/>
+            </a:endParaRPr>
           </a:p>
         </p:txBody>
       </p:sp>
